--- a/RapportNam/soutenance.pptx
+++ b/RapportNam/soutenance.pptx
@@ -215,7 +215,7 @@
           <a:p>
             <a:fld id="{F1599EA0-2EDB-4DB3-9448-6B6199578CD9}" type="datetimeFigureOut">
               <a:rPr lang="fr-FR" smtClean="0"/>
-              <a:t>29/05/2018</a:t>
+              <a:t>30/05/2018</a:t>
             </a:fld>
             <a:endParaRPr lang="fr-FR"/>
           </a:p>
@@ -800,7 +800,7 @@
           <a:p>
             <a:fld id="{0AEE68E7-8F63-4CB9-9C80-D7784EE8CFAB}" type="datetimeFigureOut">
               <a:rPr lang="fr-FR" smtClean="0"/>
-              <a:t>29/05/2018</a:t>
+              <a:t>30/05/2018</a:t>
             </a:fld>
             <a:endParaRPr lang="fr-FR"/>
           </a:p>
@@ -1000,7 +1000,7 @@
           <a:p>
             <a:fld id="{0AEE68E7-8F63-4CB9-9C80-D7784EE8CFAB}" type="datetimeFigureOut">
               <a:rPr lang="fr-FR" smtClean="0"/>
-              <a:t>29/05/2018</a:t>
+              <a:t>30/05/2018</a:t>
             </a:fld>
             <a:endParaRPr lang="fr-FR"/>
           </a:p>
@@ -1210,7 +1210,7 @@
           <a:p>
             <a:fld id="{0AEE68E7-8F63-4CB9-9C80-D7784EE8CFAB}" type="datetimeFigureOut">
               <a:rPr lang="fr-FR" smtClean="0"/>
-              <a:t>29/05/2018</a:t>
+              <a:t>30/05/2018</a:t>
             </a:fld>
             <a:endParaRPr lang="fr-FR"/>
           </a:p>
@@ -1410,7 +1410,7 @@
           <a:p>
             <a:fld id="{0AEE68E7-8F63-4CB9-9C80-D7784EE8CFAB}" type="datetimeFigureOut">
               <a:rPr lang="fr-FR" smtClean="0"/>
-              <a:t>29/05/2018</a:t>
+              <a:t>30/05/2018</a:t>
             </a:fld>
             <a:endParaRPr lang="fr-FR"/>
           </a:p>
@@ -1686,7 +1686,7 @@
           <a:p>
             <a:fld id="{0AEE68E7-8F63-4CB9-9C80-D7784EE8CFAB}" type="datetimeFigureOut">
               <a:rPr lang="fr-FR" smtClean="0"/>
-              <a:t>29/05/2018</a:t>
+              <a:t>30/05/2018</a:t>
             </a:fld>
             <a:endParaRPr lang="fr-FR"/>
           </a:p>
@@ -1954,7 +1954,7 @@
           <a:p>
             <a:fld id="{0AEE68E7-8F63-4CB9-9C80-D7784EE8CFAB}" type="datetimeFigureOut">
               <a:rPr lang="fr-FR" smtClean="0"/>
-              <a:t>29/05/2018</a:t>
+              <a:t>30/05/2018</a:t>
             </a:fld>
             <a:endParaRPr lang="fr-FR"/>
           </a:p>
@@ -2369,7 +2369,7 @@
           <a:p>
             <a:fld id="{0AEE68E7-8F63-4CB9-9C80-D7784EE8CFAB}" type="datetimeFigureOut">
               <a:rPr lang="fr-FR" smtClean="0"/>
-              <a:t>29/05/2018</a:t>
+              <a:t>30/05/2018</a:t>
             </a:fld>
             <a:endParaRPr lang="fr-FR"/>
           </a:p>
@@ -2511,7 +2511,7 @@
           <a:p>
             <a:fld id="{0AEE68E7-8F63-4CB9-9C80-D7784EE8CFAB}" type="datetimeFigureOut">
               <a:rPr lang="fr-FR" smtClean="0"/>
-              <a:t>29/05/2018</a:t>
+              <a:t>30/05/2018</a:t>
             </a:fld>
             <a:endParaRPr lang="fr-FR"/>
           </a:p>
@@ -2624,7 +2624,7 @@
           <a:p>
             <a:fld id="{0AEE68E7-8F63-4CB9-9C80-D7784EE8CFAB}" type="datetimeFigureOut">
               <a:rPr lang="fr-FR" smtClean="0"/>
-              <a:t>29/05/2018</a:t>
+              <a:t>30/05/2018</a:t>
             </a:fld>
             <a:endParaRPr lang="fr-FR"/>
           </a:p>
@@ -2937,7 +2937,7 @@
           <a:p>
             <a:fld id="{0AEE68E7-8F63-4CB9-9C80-D7784EE8CFAB}" type="datetimeFigureOut">
               <a:rPr lang="fr-FR" smtClean="0"/>
-              <a:t>29/05/2018</a:t>
+              <a:t>30/05/2018</a:t>
             </a:fld>
             <a:endParaRPr lang="fr-FR"/>
           </a:p>
@@ -3226,7 +3226,7 @@
           <a:p>
             <a:fld id="{0AEE68E7-8F63-4CB9-9C80-D7784EE8CFAB}" type="datetimeFigureOut">
               <a:rPr lang="fr-FR" smtClean="0"/>
-              <a:t>29/05/2018</a:t>
+              <a:t>30/05/2018</a:t>
             </a:fld>
             <a:endParaRPr lang="fr-FR"/>
           </a:p>
@@ -3469,7 +3469,7 @@
           <a:p>
             <a:fld id="{0AEE68E7-8F63-4CB9-9C80-D7784EE8CFAB}" type="datetimeFigureOut">
               <a:rPr lang="fr-FR" smtClean="0"/>
-              <a:t>29/05/2018</a:t>
+              <a:t>30/05/2018</a:t>
             </a:fld>
             <a:endParaRPr lang="fr-FR"/>
           </a:p>
@@ -3943,7 +3943,7 @@
         </p:nvSpPr>
         <p:spPr>
           <a:xfrm>
-            <a:off x="9566031" y="5641145"/>
+            <a:off x="8932984" y="5711092"/>
             <a:ext cx="2082018" cy="646331"/>
           </a:xfrm>
           <a:prstGeom prst="rect">
@@ -3959,8 +3959,12 @@
           <a:p>
             <a:pPr algn="ctr"/>
             <a:r>
+              <a:rPr lang="en-US" dirty="0" err="1"/>
+              <a:t>Licence</a:t>
+            </a:r>
+            <a:r>
               <a:rPr lang="en-US" dirty="0"/>
-              <a:t>L3 INFO</a:t>
+              <a:t> 3 INFO</a:t>
             </a:r>
           </a:p>
           <a:p>
@@ -3991,7 +3995,7 @@
         </p:nvSpPr>
         <p:spPr>
           <a:xfrm>
-            <a:off x="9973993" y="5271813"/>
+            <a:off x="9342119" y="5341760"/>
             <a:ext cx="2039816" cy="369332"/>
           </a:xfrm>
           <a:prstGeom prst="rect">
@@ -4043,8 +4047,8 @@
           <a:p>
             <a:pPr algn="ctr"/>
             <a:r>
-              <a:rPr lang="fr-FR" dirty="0" err="1"/>
-              <a:t>Universite</a:t>
+              <a:rPr lang="fr-FR" dirty="0"/>
+              <a:t>Université de</a:t>
             </a:r>
             <a:r>
               <a:rPr lang="en-US" dirty="0"/>
@@ -4058,6 +4062,35 @@
               <a:t>LORIA</a:t>
             </a:r>
             <a:endParaRPr lang="fr-FR" dirty="0"/>
+          </a:p>
+        </p:txBody>
+      </p:sp>
+      <p:sp>
+        <p:nvSpPr>
+          <p:cNvPr id="2" name="Slide Number Placeholder 1">
+            <a:extLst>
+              <a:ext uri="{FF2B5EF4-FFF2-40B4-BE49-F238E27FC236}">
+                <a16:creationId xmlns:a16="http://schemas.microsoft.com/office/drawing/2014/main" id="{E0216745-54C6-436E-9B87-E928D497A26C}"/>
+              </a:ext>
+            </a:extLst>
+          </p:cNvPr>
+          <p:cNvSpPr>
+            <a:spLocks noGrp="1"/>
+          </p:cNvSpPr>
+          <p:nvPr>
+            <p:ph type="sldNum" sz="quarter" idx="12"/>
+          </p:nvPr>
+        </p:nvSpPr>
+        <p:spPr/>
+        <p:txBody>
+          <a:bodyPr/>
+          <a:lstStyle/>
+          <a:p>
+            <a:fld id="{3838EE45-6CEB-4599-9988-AC5948346DCB}" type="slidenum">
+              <a:rPr lang="fr-FR" smtClean="0"/>
+              <a:t>1</a:t>
+            </a:fld>
+            <a:endParaRPr lang="fr-FR"/>
           </a:p>
         </p:txBody>
       </p:sp>
@@ -4258,10 +4291,10 @@
       </p:sp>
       <p:pic>
         <p:nvPicPr>
-          <p:cNvPr id="4" name="Picture 3">
-            <a:extLst>
-              <a:ext uri="{FF2B5EF4-FFF2-40B4-BE49-F238E27FC236}">
-                <a16:creationId xmlns:a16="http://schemas.microsoft.com/office/drawing/2014/main" id="{68E01877-4AB2-4F81-94E8-0052DAB20227}"/>
+          <p:cNvPr id="3" name="Picture 2">
+            <a:extLst>
+              <a:ext uri="{FF2B5EF4-FFF2-40B4-BE49-F238E27FC236}">
+                <a16:creationId xmlns:a16="http://schemas.microsoft.com/office/drawing/2014/main" id="{B261CECF-C5C9-4F9F-A23A-1F7DB36A6510}"/>
               </a:ext>
             </a:extLst>
           </p:cNvPr>
@@ -4278,14 +4311,43 @@
         </p:blipFill>
         <p:spPr>
           <a:xfrm>
-            <a:off x="838200" y="1493740"/>
-            <a:ext cx="10515600" cy="1647825"/>
+            <a:off x="671512" y="1560414"/>
+            <a:ext cx="10848975" cy="1514475"/>
           </a:xfrm>
           <a:prstGeom prst="rect">
             <a:avLst/>
           </a:prstGeom>
         </p:spPr>
       </p:pic>
+      <p:sp>
+        <p:nvSpPr>
+          <p:cNvPr id="5" name="Slide Number Placeholder 4">
+            <a:extLst>
+              <a:ext uri="{FF2B5EF4-FFF2-40B4-BE49-F238E27FC236}">
+                <a16:creationId xmlns:a16="http://schemas.microsoft.com/office/drawing/2014/main" id="{04871ABA-07C1-4BC0-A5E9-05E51A86610E}"/>
+              </a:ext>
+            </a:extLst>
+          </p:cNvPr>
+          <p:cNvSpPr>
+            <a:spLocks noGrp="1"/>
+          </p:cNvSpPr>
+          <p:nvPr>
+            <p:ph type="sldNum" sz="quarter" idx="12"/>
+          </p:nvPr>
+        </p:nvSpPr>
+        <p:spPr/>
+        <p:txBody>
+          <a:bodyPr/>
+          <a:lstStyle/>
+          <a:p>
+            <a:fld id="{3838EE45-6CEB-4599-9988-AC5948346DCB}" type="slidenum">
+              <a:rPr lang="fr-FR" smtClean="0"/>
+              <a:t>10</a:t>
+            </a:fld>
+            <a:endParaRPr lang="fr-FR"/>
+          </a:p>
+        </p:txBody>
+      </p:sp>
     </p:spTree>
     <p:extLst>
       <p:ext uri="{BB962C8B-B14F-4D97-AF65-F5344CB8AC3E}">
@@ -4393,6 +4455,35 @@
           </a:p>
         </p:txBody>
       </p:sp>
+      <p:sp>
+        <p:nvSpPr>
+          <p:cNvPr id="4" name="Slide Number Placeholder 3">
+            <a:extLst>
+              <a:ext uri="{FF2B5EF4-FFF2-40B4-BE49-F238E27FC236}">
+                <a16:creationId xmlns:a16="http://schemas.microsoft.com/office/drawing/2014/main" id="{BDADFB52-0AD1-4DCD-8078-F657BEEB9838}"/>
+              </a:ext>
+            </a:extLst>
+          </p:cNvPr>
+          <p:cNvSpPr>
+            <a:spLocks noGrp="1"/>
+          </p:cNvSpPr>
+          <p:nvPr>
+            <p:ph type="sldNum" sz="quarter" idx="12"/>
+          </p:nvPr>
+        </p:nvSpPr>
+        <p:spPr/>
+        <p:txBody>
+          <a:bodyPr/>
+          <a:lstStyle/>
+          <a:p>
+            <a:fld id="{3838EE45-6CEB-4599-9988-AC5948346DCB}" type="slidenum">
+              <a:rPr lang="fr-FR" smtClean="0"/>
+              <a:t>11</a:t>
+            </a:fld>
+            <a:endParaRPr lang="fr-FR"/>
+          </a:p>
+        </p:txBody>
+      </p:sp>
     </p:spTree>
     <p:extLst>
       <p:ext uri="{BB962C8B-B14F-4D97-AF65-F5344CB8AC3E}">
@@ -4532,6 +4623,35 @@
           </a:p>
         </p:txBody>
       </p:sp>
+      <p:sp>
+        <p:nvSpPr>
+          <p:cNvPr id="3" name="Slide Number Placeholder 2">
+            <a:extLst>
+              <a:ext uri="{FF2B5EF4-FFF2-40B4-BE49-F238E27FC236}">
+                <a16:creationId xmlns:a16="http://schemas.microsoft.com/office/drawing/2014/main" id="{42DEFF6F-E444-400D-BCB1-73E0F5E22B24}"/>
+              </a:ext>
+            </a:extLst>
+          </p:cNvPr>
+          <p:cNvSpPr>
+            <a:spLocks noGrp="1"/>
+          </p:cNvSpPr>
+          <p:nvPr>
+            <p:ph type="sldNum" sz="quarter" idx="12"/>
+          </p:nvPr>
+        </p:nvSpPr>
+        <p:spPr/>
+        <p:txBody>
+          <a:bodyPr/>
+          <a:lstStyle/>
+          <a:p>
+            <a:fld id="{3838EE45-6CEB-4599-9988-AC5948346DCB}" type="slidenum">
+              <a:rPr lang="fr-FR" smtClean="0"/>
+              <a:t>12</a:t>
+            </a:fld>
+            <a:endParaRPr lang="fr-FR"/>
+          </a:p>
+        </p:txBody>
+      </p:sp>
     </p:spTree>
     <p:extLst>
       <p:ext uri="{BB962C8B-B14F-4D97-AF65-F5344CB8AC3E}">
@@ -4671,6 +4791,35 @@
           </a:prstGeom>
         </p:spPr>
       </p:pic>
+      <p:sp>
+        <p:nvSpPr>
+          <p:cNvPr id="4" name="Slide Number Placeholder 3">
+            <a:extLst>
+              <a:ext uri="{FF2B5EF4-FFF2-40B4-BE49-F238E27FC236}">
+                <a16:creationId xmlns:a16="http://schemas.microsoft.com/office/drawing/2014/main" id="{025D6429-2124-4337-82DB-18B07E790800}"/>
+              </a:ext>
+            </a:extLst>
+          </p:cNvPr>
+          <p:cNvSpPr>
+            <a:spLocks noGrp="1"/>
+          </p:cNvSpPr>
+          <p:nvPr>
+            <p:ph type="sldNum" sz="quarter" idx="12"/>
+          </p:nvPr>
+        </p:nvSpPr>
+        <p:spPr/>
+        <p:txBody>
+          <a:bodyPr/>
+          <a:lstStyle/>
+          <a:p>
+            <a:fld id="{3838EE45-6CEB-4599-9988-AC5948346DCB}" type="slidenum">
+              <a:rPr lang="fr-FR" smtClean="0"/>
+              <a:t>13</a:t>
+            </a:fld>
+            <a:endParaRPr lang="fr-FR"/>
+          </a:p>
+        </p:txBody>
+      </p:sp>
     </p:spTree>
     <p:extLst>
       <p:ext uri="{BB962C8B-B14F-4D97-AF65-F5344CB8AC3E}">
@@ -4764,6 +4913,35 @@
           </a:p>
         </p:txBody>
       </p:sp>
+      <p:sp>
+        <p:nvSpPr>
+          <p:cNvPr id="4" name="Slide Number Placeholder 3">
+            <a:extLst>
+              <a:ext uri="{FF2B5EF4-FFF2-40B4-BE49-F238E27FC236}">
+                <a16:creationId xmlns:a16="http://schemas.microsoft.com/office/drawing/2014/main" id="{F29ADC21-F2B5-4E34-8039-C83A54C498E0}"/>
+              </a:ext>
+            </a:extLst>
+          </p:cNvPr>
+          <p:cNvSpPr>
+            <a:spLocks noGrp="1"/>
+          </p:cNvSpPr>
+          <p:nvPr>
+            <p:ph type="sldNum" sz="quarter" idx="12"/>
+          </p:nvPr>
+        </p:nvSpPr>
+        <p:spPr/>
+        <p:txBody>
+          <a:bodyPr/>
+          <a:lstStyle/>
+          <a:p>
+            <a:fld id="{3838EE45-6CEB-4599-9988-AC5948346DCB}" type="slidenum">
+              <a:rPr lang="fr-FR" smtClean="0"/>
+              <a:t>14</a:t>
+            </a:fld>
+            <a:endParaRPr lang="fr-FR"/>
+          </a:p>
+        </p:txBody>
+      </p:sp>
     </p:spTree>
     <p:extLst>
       <p:ext uri="{BB962C8B-B14F-4D97-AF65-F5344CB8AC3E}">
@@ -4832,6 +5010,35 @@
           </a:p>
         </p:txBody>
       </p:sp>
+      <p:sp>
+        <p:nvSpPr>
+          <p:cNvPr id="3" name="Slide Number Placeholder 2">
+            <a:extLst>
+              <a:ext uri="{FF2B5EF4-FFF2-40B4-BE49-F238E27FC236}">
+                <a16:creationId xmlns:a16="http://schemas.microsoft.com/office/drawing/2014/main" id="{C7DD1509-18A9-4CCB-9ACC-6B13B00281EA}"/>
+              </a:ext>
+            </a:extLst>
+          </p:cNvPr>
+          <p:cNvSpPr>
+            <a:spLocks noGrp="1"/>
+          </p:cNvSpPr>
+          <p:nvPr>
+            <p:ph type="sldNum" sz="quarter" idx="12"/>
+          </p:nvPr>
+        </p:nvSpPr>
+        <p:spPr/>
+        <p:txBody>
+          <a:bodyPr/>
+          <a:lstStyle/>
+          <a:p>
+            <a:fld id="{3838EE45-6CEB-4599-9988-AC5948346DCB}" type="slidenum">
+              <a:rPr lang="fr-FR" smtClean="0"/>
+              <a:t>15</a:t>
+            </a:fld>
+            <a:endParaRPr lang="fr-FR"/>
+          </a:p>
+        </p:txBody>
+      </p:sp>
     </p:spTree>
     <p:extLst>
       <p:ext uri="{BB962C8B-B14F-4D97-AF65-F5344CB8AC3E}">
@@ -4952,6 +5159,35 @@
           </a:p>
         </p:txBody>
       </p:sp>
+      <p:sp>
+        <p:nvSpPr>
+          <p:cNvPr id="4" name="Slide Number Placeholder 3">
+            <a:extLst>
+              <a:ext uri="{FF2B5EF4-FFF2-40B4-BE49-F238E27FC236}">
+                <a16:creationId xmlns:a16="http://schemas.microsoft.com/office/drawing/2014/main" id="{D5480DA4-CED9-4F0E-BCB0-030355744B2B}"/>
+              </a:ext>
+            </a:extLst>
+          </p:cNvPr>
+          <p:cNvSpPr>
+            <a:spLocks noGrp="1"/>
+          </p:cNvSpPr>
+          <p:nvPr>
+            <p:ph type="sldNum" sz="quarter" idx="12"/>
+          </p:nvPr>
+        </p:nvSpPr>
+        <p:spPr/>
+        <p:txBody>
+          <a:bodyPr/>
+          <a:lstStyle/>
+          <a:p>
+            <a:fld id="{3838EE45-6CEB-4599-9988-AC5948346DCB}" type="slidenum">
+              <a:rPr lang="fr-FR" smtClean="0"/>
+              <a:t>2</a:t>
+            </a:fld>
+            <a:endParaRPr lang="fr-FR"/>
+          </a:p>
+        </p:txBody>
+      </p:sp>
     </p:spTree>
     <p:extLst>
       <p:ext uri="{BB962C8B-B14F-4D97-AF65-F5344CB8AC3E}">
@@ -5010,18 +5246,13 @@
           <a:p>
             <a:pPr algn="ctr"/>
             <a:r>
-              <a:rPr lang="en-US" dirty="0">
+              <a:rPr lang="fr-FR" dirty="0">
                 <a:solidFill>
                   <a:srgbClr val="FF0000"/>
                 </a:solidFill>
               </a:rPr>
-              <a:t>GENERALITE</a:t>
-            </a:r>
-            <a:endParaRPr lang="fr-FR" dirty="0">
-              <a:solidFill>
-                <a:srgbClr val="FF0000"/>
-              </a:solidFill>
-            </a:endParaRPr>
+              <a:t>GENERALITÉS</a:t>
+            </a:r>
           </a:p>
         </p:txBody>
       </p:sp>
@@ -5555,6 +5786,35 @@
           </a:p>
         </p:txBody>
       </p:sp>
+      <p:sp>
+        <p:nvSpPr>
+          <p:cNvPr id="3" name="Slide Number Placeholder 2">
+            <a:extLst>
+              <a:ext uri="{FF2B5EF4-FFF2-40B4-BE49-F238E27FC236}">
+                <a16:creationId xmlns:a16="http://schemas.microsoft.com/office/drawing/2014/main" id="{4A237029-C9C2-47D8-9684-C38153D890F9}"/>
+              </a:ext>
+            </a:extLst>
+          </p:cNvPr>
+          <p:cNvSpPr>
+            <a:spLocks noGrp="1"/>
+          </p:cNvSpPr>
+          <p:nvPr>
+            <p:ph type="sldNum" sz="quarter" idx="12"/>
+          </p:nvPr>
+        </p:nvSpPr>
+        <p:spPr/>
+        <p:txBody>
+          <a:bodyPr/>
+          <a:lstStyle/>
+          <a:p>
+            <a:fld id="{3838EE45-6CEB-4599-9988-AC5948346DCB}" type="slidenum">
+              <a:rPr lang="fr-FR" smtClean="0"/>
+              <a:t>3</a:t>
+            </a:fld>
+            <a:endParaRPr lang="fr-FR"/>
+          </a:p>
+        </p:txBody>
+      </p:sp>
     </p:spTree>
     <p:extLst>
       <p:ext uri="{BB962C8B-B14F-4D97-AF65-F5344CB8AC3E}">
@@ -5667,7 +5927,7 @@
                   <a:srgbClr val="FF0000"/>
                 </a:solidFill>
               </a:rPr>
-              <a:t>GENERALITE</a:t>
+              <a:t>GENERALITÉS</a:t>
             </a:r>
             <a:endParaRPr lang="fr-FR" dirty="0">
               <a:solidFill>
@@ -6183,7 +6443,14 @@
           <a:p>
             <a:r>
               <a:rPr lang="fr-FR" dirty="0"/>
-              <a:t>Acquisition semi-automatique de cas</a:t>
+              <a:t>Acquisition semi-automatique </a:t>
+            </a:r>
+            <a:br>
+              <a:rPr lang="fr-FR" dirty="0"/>
+            </a:br>
+            <a:r>
+              <a:rPr lang="fr-FR" dirty="0"/>
+              <a:t>de cas</a:t>
             </a:r>
           </a:p>
           <a:p>
@@ -6195,6 +6462,35 @@
           </a:p>
           <a:p>
             <a:endParaRPr lang="fr-FR" dirty="0"/>
+          </a:p>
+        </p:txBody>
+      </p:sp>
+      <p:sp>
+        <p:nvSpPr>
+          <p:cNvPr id="4" name="Slide Number Placeholder 3">
+            <a:extLst>
+              <a:ext uri="{FF2B5EF4-FFF2-40B4-BE49-F238E27FC236}">
+                <a16:creationId xmlns:a16="http://schemas.microsoft.com/office/drawing/2014/main" id="{7CF22DC9-CC48-49C4-AADC-B13EA1F33D3C}"/>
+              </a:ext>
+            </a:extLst>
+          </p:cNvPr>
+          <p:cNvSpPr>
+            <a:spLocks noGrp="1"/>
+          </p:cNvSpPr>
+          <p:nvPr>
+            <p:ph type="sldNum" sz="quarter" idx="12"/>
+          </p:nvPr>
+        </p:nvSpPr>
+        <p:spPr/>
+        <p:txBody>
+          <a:bodyPr/>
+          <a:lstStyle/>
+          <a:p>
+            <a:fld id="{3838EE45-6CEB-4599-9988-AC5948346DCB}" type="slidenum">
+              <a:rPr lang="fr-FR" smtClean="0"/>
+              <a:t>4</a:t>
+            </a:fld>
+            <a:endParaRPr lang="fr-FR"/>
           </a:p>
         </p:txBody>
       </p:sp>
@@ -6338,6 +6634,35 @@
           </a:p>
         </p:txBody>
       </p:sp>
+      <p:sp>
+        <p:nvSpPr>
+          <p:cNvPr id="4" name="Slide Number Placeholder 3">
+            <a:extLst>
+              <a:ext uri="{FF2B5EF4-FFF2-40B4-BE49-F238E27FC236}">
+                <a16:creationId xmlns:a16="http://schemas.microsoft.com/office/drawing/2014/main" id="{1D55AE59-006A-4470-B4E4-F43C731365BA}"/>
+              </a:ext>
+            </a:extLst>
+          </p:cNvPr>
+          <p:cNvSpPr>
+            <a:spLocks noGrp="1"/>
+          </p:cNvSpPr>
+          <p:nvPr>
+            <p:ph type="sldNum" sz="quarter" idx="12"/>
+          </p:nvPr>
+        </p:nvSpPr>
+        <p:spPr/>
+        <p:txBody>
+          <a:bodyPr/>
+          <a:lstStyle/>
+          <a:p>
+            <a:fld id="{3838EE45-6CEB-4599-9988-AC5948346DCB}" type="slidenum">
+              <a:rPr lang="fr-FR" smtClean="0"/>
+              <a:t>5</a:t>
+            </a:fld>
+            <a:endParaRPr lang="fr-FR"/>
+          </a:p>
+        </p:txBody>
+      </p:sp>
     </p:spTree>
     <p:extLst>
       <p:ext uri="{BB962C8B-B14F-4D97-AF65-F5344CB8AC3E}">
@@ -6526,6 +6851,35 @@
           </a:prstGeom>
         </p:spPr>
       </p:pic>
+      <p:sp>
+        <p:nvSpPr>
+          <p:cNvPr id="3" name="Slide Number Placeholder 2">
+            <a:extLst>
+              <a:ext uri="{FF2B5EF4-FFF2-40B4-BE49-F238E27FC236}">
+                <a16:creationId xmlns:a16="http://schemas.microsoft.com/office/drawing/2014/main" id="{4E4E627C-8ADB-491E-9E95-91B631918341}"/>
+              </a:ext>
+            </a:extLst>
+          </p:cNvPr>
+          <p:cNvSpPr>
+            <a:spLocks noGrp="1"/>
+          </p:cNvSpPr>
+          <p:nvPr>
+            <p:ph type="sldNum" sz="quarter" idx="12"/>
+          </p:nvPr>
+        </p:nvSpPr>
+        <p:spPr/>
+        <p:txBody>
+          <a:bodyPr/>
+          <a:lstStyle/>
+          <a:p>
+            <a:fld id="{3838EE45-6CEB-4599-9988-AC5948346DCB}" type="slidenum">
+              <a:rPr lang="fr-FR" smtClean="0"/>
+              <a:t>6</a:t>
+            </a:fld>
+            <a:endParaRPr lang="fr-FR"/>
+          </a:p>
+        </p:txBody>
+      </p:sp>
     </p:spTree>
     <p:extLst>
       <p:ext uri="{BB962C8B-B14F-4D97-AF65-F5344CB8AC3E}">
@@ -6774,6 +7128,35 @@
           </a:prstGeom>
         </p:spPr>
       </p:pic>
+      <p:sp>
+        <p:nvSpPr>
+          <p:cNvPr id="6" name="Slide Number Placeholder 5">
+            <a:extLst>
+              <a:ext uri="{FF2B5EF4-FFF2-40B4-BE49-F238E27FC236}">
+                <a16:creationId xmlns:a16="http://schemas.microsoft.com/office/drawing/2014/main" id="{0CF7AB6F-BFA2-4F02-825E-F0E1FA8EB065}"/>
+              </a:ext>
+            </a:extLst>
+          </p:cNvPr>
+          <p:cNvSpPr>
+            <a:spLocks noGrp="1"/>
+          </p:cNvSpPr>
+          <p:nvPr>
+            <p:ph type="sldNum" sz="quarter" idx="12"/>
+          </p:nvPr>
+        </p:nvSpPr>
+        <p:spPr/>
+        <p:txBody>
+          <a:bodyPr/>
+          <a:lstStyle/>
+          <a:p>
+            <a:fld id="{3838EE45-6CEB-4599-9988-AC5948346DCB}" type="slidenum">
+              <a:rPr lang="fr-FR" smtClean="0"/>
+              <a:t>7</a:t>
+            </a:fld>
+            <a:endParaRPr lang="fr-FR"/>
+          </a:p>
+        </p:txBody>
+      </p:sp>
     </p:spTree>
     <p:extLst>
       <p:ext uri="{BB962C8B-B14F-4D97-AF65-F5344CB8AC3E}">
@@ -6943,6 +7326,35 @@
           </a:prstGeom>
         </p:spPr>
       </p:pic>
+      <p:sp>
+        <p:nvSpPr>
+          <p:cNvPr id="5" name="Slide Number Placeholder 4">
+            <a:extLst>
+              <a:ext uri="{FF2B5EF4-FFF2-40B4-BE49-F238E27FC236}">
+                <a16:creationId xmlns:a16="http://schemas.microsoft.com/office/drawing/2014/main" id="{B72D3D2D-BAB4-46D3-A5D6-EFE974CB4A20}"/>
+              </a:ext>
+            </a:extLst>
+          </p:cNvPr>
+          <p:cNvSpPr>
+            <a:spLocks noGrp="1"/>
+          </p:cNvSpPr>
+          <p:nvPr>
+            <p:ph type="sldNum" sz="quarter" idx="12"/>
+          </p:nvPr>
+        </p:nvSpPr>
+        <p:spPr/>
+        <p:txBody>
+          <a:bodyPr/>
+          <a:lstStyle/>
+          <a:p>
+            <a:fld id="{3838EE45-6CEB-4599-9988-AC5948346DCB}" type="slidenum">
+              <a:rPr lang="fr-FR" smtClean="0"/>
+              <a:t>8</a:t>
+            </a:fld>
+            <a:endParaRPr lang="fr-FR"/>
+          </a:p>
+        </p:txBody>
+      </p:sp>
     </p:spTree>
     <p:extLst>
       <p:ext uri="{BB962C8B-B14F-4D97-AF65-F5344CB8AC3E}">
@@ -7146,10 +7558,10 @@
       </p:pic>
       <p:pic>
         <p:nvPicPr>
-          <p:cNvPr id="4" name="Picture 3">
-            <a:extLst>
-              <a:ext uri="{FF2B5EF4-FFF2-40B4-BE49-F238E27FC236}">
-                <a16:creationId xmlns:a16="http://schemas.microsoft.com/office/drawing/2014/main" id="{CCADC851-21CC-491C-A67C-CAB4BE8ACB17}"/>
+          <p:cNvPr id="3" name="Picture 2">
+            <a:extLst>
+              <a:ext uri="{FF2B5EF4-FFF2-40B4-BE49-F238E27FC236}">
+                <a16:creationId xmlns:a16="http://schemas.microsoft.com/office/drawing/2014/main" id="{9874811E-EFA5-4229-A861-C0DD3B552A04}"/>
               </a:ext>
             </a:extLst>
           </p:cNvPr>
@@ -7166,8 +7578,8 @@
         </p:blipFill>
         <p:spPr>
           <a:xfrm>
-            <a:off x="2580028" y="3321250"/>
-            <a:ext cx="1133475" cy="371475"/>
+            <a:off x="3063752" y="3288015"/>
+            <a:ext cx="1000125" cy="381000"/>
           </a:xfrm>
           <a:prstGeom prst="rect">
             <a:avLst/>
@@ -7176,10 +7588,10 @@
       </p:pic>
       <p:pic>
         <p:nvPicPr>
-          <p:cNvPr id="5" name="Picture 4">
-            <a:extLst>
-              <a:ext uri="{FF2B5EF4-FFF2-40B4-BE49-F238E27FC236}">
-                <a16:creationId xmlns:a16="http://schemas.microsoft.com/office/drawing/2014/main" id="{139E4141-A86D-47F4-9908-ACAE408E3AB0}"/>
+          <p:cNvPr id="6" name="Picture 5">
+            <a:extLst>
+              <a:ext uri="{FF2B5EF4-FFF2-40B4-BE49-F238E27FC236}">
+                <a16:creationId xmlns:a16="http://schemas.microsoft.com/office/drawing/2014/main" id="{891AB72F-86B3-41A9-A600-FF8556EF8D4D}"/>
               </a:ext>
             </a:extLst>
           </p:cNvPr>
@@ -7196,14 +7608,43 @@
         </p:blipFill>
         <p:spPr>
           <a:xfrm>
-            <a:off x="838200" y="1721486"/>
-            <a:ext cx="10234612" cy="1009650"/>
+            <a:off x="982155" y="1763380"/>
+            <a:ext cx="9858375" cy="923925"/>
           </a:xfrm>
           <a:prstGeom prst="rect">
             <a:avLst/>
           </a:prstGeom>
         </p:spPr>
       </p:pic>
+      <p:sp>
+        <p:nvSpPr>
+          <p:cNvPr id="8" name="Slide Number Placeholder 7">
+            <a:extLst>
+              <a:ext uri="{FF2B5EF4-FFF2-40B4-BE49-F238E27FC236}">
+                <a16:creationId xmlns:a16="http://schemas.microsoft.com/office/drawing/2014/main" id="{53971D94-E6B0-4A1F-B784-9B0DB3E7C6D1}"/>
+              </a:ext>
+            </a:extLst>
+          </p:cNvPr>
+          <p:cNvSpPr>
+            <a:spLocks noGrp="1"/>
+          </p:cNvSpPr>
+          <p:nvPr>
+            <p:ph type="sldNum" sz="quarter" idx="12"/>
+          </p:nvPr>
+        </p:nvSpPr>
+        <p:spPr/>
+        <p:txBody>
+          <a:bodyPr/>
+          <a:lstStyle/>
+          <a:p>
+            <a:fld id="{3838EE45-6CEB-4599-9988-AC5948346DCB}" type="slidenum">
+              <a:rPr lang="fr-FR" smtClean="0"/>
+              <a:t>9</a:t>
+            </a:fld>
+            <a:endParaRPr lang="fr-FR"/>
+          </a:p>
+        </p:txBody>
+      </p:sp>
     </p:spTree>
     <p:extLst>
       <p:ext uri="{BB962C8B-B14F-4D97-AF65-F5344CB8AC3E}">

--- a/RapportNam/soutenance.pptx
+++ b/RapportNam/soutenance.pptx
@@ -5,7 +5,7 @@
     <p:sldMasterId id="2147483648" r:id="rId1"/>
   </p:sldMasterIdLst>
   <p:notesMasterIdLst>
-    <p:notesMasterId r:id="rId17"/>
+    <p:notesMasterId r:id="rId18"/>
   </p:notesMasterIdLst>
   <p:sldIdLst>
     <p:sldId id="266" r:id="rId2"/>
@@ -21,8 +21,9 @@
     <p:sldId id="260" r:id="rId12"/>
     <p:sldId id="261" r:id="rId13"/>
     <p:sldId id="262" r:id="rId14"/>
-    <p:sldId id="270" r:id="rId15"/>
-    <p:sldId id="271" r:id="rId16"/>
+    <p:sldId id="272" r:id="rId15"/>
+    <p:sldId id="270" r:id="rId16"/>
+    <p:sldId id="271" r:id="rId17"/>
   </p:sldIdLst>
   <p:sldSz cx="12192000" cy="6858000"/>
   <p:notesSz cx="6858000" cy="9144000"/>
@@ -4759,6 +4760,16 @@
               <a:t>« Afficher »: dans un tableau tous les cas avec statut « false ou en attente »</a:t>
             </a:r>
           </a:p>
+          <a:p>
+            <a:r>
+              <a:rPr lang="fr-FR" dirty="0" err="1"/>
+              <a:t>CheckBox</a:t>
+            </a:r>
+            <a:r>
+              <a:rPr lang="fr-FR" dirty="0"/>
+              <a:t> ou Bouton ?</a:t>
+            </a:r>
+          </a:p>
         </p:txBody>
       </p:sp>
       <p:pic>
@@ -4855,7 +4866,7 @@
           <p:cNvPr id="2" name="Title 1">
             <a:extLst>
               <a:ext uri="{FF2B5EF4-FFF2-40B4-BE49-F238E27FC236}">
-                <a16:creationId xmlns:a16="http://schemas.microsoft.com/office/drawing/2014/main" id="{F7089F2E-BEF4-4FC3-B8EA-59CC10F9133E}"/>
+                <a16:creationId xmlns:a16="http://schemas.microsoft.com/office/drawing/2014/main" id="{2AF94B8B-F890-49D0-8C54-39E8CF81B3C8}"/>
               </a:ext>
             </a:extLst>
           </p:cNvPr>
@@ -4878,7 +4889,7 @@
                   <a:srgbClr val="FF0000"/>
                 </a:solidFill>
               </a:rPr>
-              <a:t>DEMO</a:t>
+              <a:t>CONCLUSION</a:t>
             </a:r>
           </a:p>
         </p:txBody>
@@ -4888,7 +4899,7 @@
           <p:cNvPr id="3" name="Content Placeholder 2">
             <a:extLst>
               <a:ext uri="{FF2B5EF4-FFF2-40B4-BE49-F238E27FC236}">
-                <a16:creationId xmlns:a16="http://schemas.microsoft.com/office/drawing/2014/main" id="{3ED0531C-C6C6-4D5D-8047-0173B2296BCA}"/>
+                <a16:creationId xmlns:a16="http://schemas.microsoft.com/office/drawing/2014/main" id="{5073442C-7319-475A-B0CB-F5780322ED62}"/>
               </a:ext>
             </a:extLst>
           </p:cNvPr>
@@ -4909,43 +4920,57 @@
           <a:bodyPr/>
           <a:lstStyle/>
           <a:p>
+            <a:r>
+              <a:rPr lang="fr-FR" dirty="0"/>
+              <a:t>Difficultés: </a:t>
+            </a:r>
+          </a:p>
+          <a:p>
+            <a:pPr lvl="1"/>
+            <a:r>
+              <a:rPr lang="fr-FR" dirty="0"/>
+              <a:t>mettre en commun le moteur avec le site web.</a:t>
+            </a:r>
+          </a:p>
+          <a:p>
+            <a:pPr lvl="1"/>
+            <a:r>
+              <a:rPr lang="fr-FR" dirty="0"/>
+              <a:t>choix du design.</a:t>
+            </a:r>
+          </a:p>
+          <a:p>
+            <a:r>
+              <a:rPr lang="fr-FR" dirty="0"/>
+              <a:t>Résultat:</a:t>
+            </a:r>
+          </a:p>
+          <a:p>
+            <a:pPr lvl="1"/>
+            <a:r>
+              <a:rPr lang="fr-FR" dirty="0"/>
+              <a:t>Site fonctionne et </a:t>
+            </a:r>
+            <a:r>
+              <a:rPr lang="fr-FR" dirty="0" err="1"/>
+              <a:t>deployable</a:t>
+            </a:r>
             <a:endParaRPr lang="fr-FR" dirty="0"/>
           </a:p>
-        </p:txBody>
-      </p:sp>
-      <p:sp>
-        <p:nvSpPr>
-          <p:cNvPr id="4" name="Slide Number Placeholder 3">
-            <a:extLst>
-              <a:ext uri="{FF2B5EF4-FFF2-40B4-BE49-F238E27FC236}">
-                <a16:creationId xmlns:a16="http://schemas.microsoft.com/office/drawing/2014/main" id="{F29ADC21-F2B5-4E34-8039-C83A54C498E0}"/>
-              </a:ext>
-            </a:extLst>
-          </p:cNvPr>
-          <p:cNvSpPr>
-            <a:spLocks noGrp="1"/>
-          </p:cNvSpPr>
-          <p:nvPr>
-            <p:ph type="sldNum" sz="quarter" idx="12"/>
-          </p:nvPr>
-        </p:nvSpPr>
-        <p:spPr/>
-        <p:txBody>
-          <a:bodyPr/>
-          <a:lstStyle/>
-          <a:p>
-            <a:fld id="{3838EE45-6CEB-4599-9988-AC5948346DCB}" type="slidenum">
-              <a:rPr lang="fr-FR" smtClean="0"/>
-              <a:t>14</a:t>
-            </a:fld>
-            <a:endParaRPr lang="fr-FR"/>
+          <a:p>
+            <a:pPr lvl="1"/>
+            <a:endParaRPr lang="fr-FR" dirty="0"/>
+          </a:p>
+          <a:p>
+            <a:pPr lvl="1"/>
+            <a:endParaRPr lang="fr-FR" dirty="0"/>
           </a:p>
         </p:txBody>
       </p:sp>
     </p:spTree>
     <p:extLst>
       <p:ext uri="{BB962C8B-B14F-4D97-AF65-F5344CB8AC3E}">
-        <p14:creationId xmlns:p14="http://schemas.microsoft.com/office/powerpoint/2010/main" val="762069452"/>
+        <p14:creationId xmlns:p14="http://schemas.microsoft.com/office/powerpoint/2010/main" val="2851792376"/>
       </p:ext>
     </p:extLst>
   </p:cSld>
@@ -4977,6 +5002,128 @@
           <p:cNvPr id="2" name="Title 1">
             <a:extLst>
               <a:ext uri="{FF2B5EF4-FFF2-40B4-BE49-F238E27FC236}">
+                <a16:creationId xmlns:a16="http://schemas.microsoft.com/office/drawing/2014/main" id="{F7089F2E-BEF4-4FC3-B8EA-59CC10F9133E}"/>
+              </a:ext>
+            </a:extLst>
+          </p:cNvPr>
+          <p:cNvSpPr>
+            <a:spLocks noGrp="1"/>
+          </p:cNvSpPr>
+          <p:nvPr>
+            <p:ph type="title"/>
+          </p:nvPr>
+        </p:nvSpPr>
+        <p:spPr/>
+        <p:txBody>
+          <a:bodyPr/>
+          <a:lstStyle/>
+          <a:p>
+            <a:pPr algn="ctr"/>
+            <a:r>
+              <a:rPr lang="fr-FR" dirty="0">
+                <a:solidFill>
+                  <a:srgbClr val="FF0000"/>
+                </a:solidFill>
+              </a:rPr>
+              <a:t>DEMO</a:t>
+            </a:r>
+          </a:p>
+        </p:txBody>
+      </p:sp>
+      <p:sp>
+        <p:nvSpPr>
+          <p:cNvPr id="3" name="Content Placeholder 2">
+            <a:extLst>
+              <a:ext uri="{FF2B5EF4-FFF2-40B4-BE49-F238E27FC236}">
+                <a16:creationId xmlns:a16="http://schemas.microsoft.com/office/drawing/2014/main" id="{3ED0531C-C6C6-4D5D-8047-0173B2296BCA}"/>
+              </a:ext>
+            </a:extLst>
+          </p:cNvPr>
+          <p:cNvSpPr>
+            <a:spLocks noGrp="1"/>
+          </p:cNvSpPr>
+          <p:nvPr>
+            <p:ph sz="half" idx="1"/>
+          </p:nvPr>
+        </p:nvSpPr>
+        <p:spPr>
+          <a:xfrm>
+            <a:off x="838200" y="1825625"/>
+            <a:ext cx="10515600" cy="4351338"/>
+          </a:xfrm>
+        </p:spPr>
+        <p:txBody>
+          <a:bodyPr/>
+          <a:lstStyle/>
+          <a:p>
+            <a:endParaRPr lang="fr-FR" dirty="0"/>
+          </a:p>
+        </p:txBody>
+      </p:sp>
+      <p:sp>
+        <p:nvSpPr>
+          <p:cNvPr id="4" name="Slide Number Placeholder 3">
+            <a:extLst>
+              <a:ext uri="{FF2B5EF4-FFF2-40B4-BE49-F238E27FC236}">
+                <a16:creationId xmlns:a16="http://schemas.microsoft.com/office/drawing/2014/main" id="{F29ADC21-F2B5-4E34-8039-C83A54C498E0}"/>
+              </a:ext>
+            </a:extLst>
+          </p:cNvPr>
+          <p:cNvSpPr>
+            <a:spLocks noGrp="1"/>
+          </p:cNvSpPr>
+          <p:nvPr>
+            <p:ph type="sldNum" sz="quarter" idx="12"/>
+          </p:nvPr>
+        </p:nvSpPr>
+        <p:spPr/>
+        <p:txBody>
+          <a:bodyPr/>
+          <a:lstStyle/>
+          <a:p>
+            <a:fld id="{3838EE45-6CEB-4599-9988-AC5948346DCB}" type="slidenum">
+              <a:rPr lang="fr-FR" smtClean="0"/>
+              <a:t>15</a:t>
+            </a:fld>
+            <a:endParaRPr lang="fr-FR"/>
+          </a:p>
+        </p:txBody>
+      </p:sp>
+    </p:spTree>
+    <p:extLst>
+      <p:ext uri="{BB962C8B-B14F-4D97-AF65-F5344CB8AC3E}">
+        <p14:creationId xmlns:p14="http://schemas.microsoft.com/office/powerpoint/2010/main" val="762069452"/>
+      </p:ext>
+    </p:extLst>
+  </p:cSld>
+  <p:clrMapOvr>
+    <a:masterClrMapping/>
+  </p:clrMapOvr>
+</p:sld>
+</file>
+
+<file path=ppt/slides/slide16.xml><?xml version="1.0" encoding="utf-8"?>
+<p:sld xmlns:a="http://schemas.openxmlformats.org/drawingml/2006/main" xmlns:r="http://schemas.openxmlformats.org/officeDocument/2006/relationships" xmlns:p="http://schemas.openxmlformats.org/presentationml/2006/main">
+  <p:cSld>
+    <p:spTree>
+      <p:nvGrpSpPr>
+        <p:cNvPr id="1" name=""/>
+        <p:cNvGrpSpPr/>
+        <p:nvPr/>
+      </p:nvGrpSpPr>
+      <p:grpSpPr>
+        <a:xfrm>
+          <a:off x="0" y="0"/>
+          <a:ext cx="0" cy="0"/>
+          <a:chOff x="0" y="0"/>
+          <a:chExt cx="0" cy="0"/>
+        </a:xfrm>
+      </p:grpSpPr>
+      <p:sp>
+        <p:nvSpPr>
+          <p:cNvPr id="2" name="Title 1">
+            <a:extLst>
+              <a:ext uri="{FF2B5EF4-FFF2-40B4-BE49-F238E27FC236}">
                 <a16:creationId xmlns:a16="http://schemas.microsoft.com/office/drawing/2014/main" id="{55255D63-6F52-4C79-9DF8-2D1D0A760D49}"/>
               </a:ext>
             </a:extLst>
@@ -5033,7 +5180,7 @@
           <a:p>
             <a:fld id="{3838EE45-6CEB-4599-9988-AC5948346DCB}" type="slidenum">
               <a:rPr lang="fr-FR" smtClean="0"/>
-              <a:t>15</a:t>
+              <a:t>16</a:t>
             </a:fld>
             <a:endParaRPr lang="fr-FR"/>
           </a:p>

--- a/RapportNam/soutenance.pptx
+++ b/RapportNam/soutenance.pptx
@@ -10,19 +10,19 @@
   <p:sldIdLst>
     <p:sldId id="266" r:id="rId2"/>
     <p:sldId id="268" r:id="rId3"/>
-    <p:sldId id="267" r:id="rId4"/>
-    <p:sldId id="269" r:id="rId5"/>
-    <p:sldId id="256" r:id="rId6"/>
-    <p:sldId id="263" r:id="rId7"/>
-    <p:sldId id="264" r:id="rId8"/>
-    <p:sldId id="257" r:id="rId9"/>
-    <p:sldId id="258" r:id="rId10"/>
+    <p:sldId id="269" r:id="rId4"/>
+    <p:sldId id="256" r:id="rId5"/>
+    <p:sldId id="263" r:id="rId6"/>
+    <p:sldId id="264" r:id="rId7"/>
+    <p:sldId id="257" r:id="rId8"/>
+    <p:sldId id="274" r:id="rId9"/>
+    <p:sldId id="273" r:id="rId10"/>
     <p:sldId id="259" r:id="rId11"/>
     <p:sldId id="260" r:id="rId12"/>
     <p:sldId id="261" r:id="rId13"/>
     <p:sldId id="262" r:id="rId14"/>
-    <p:sldId id="272" r:id="rId15"/>
-    <p:sldId id="270" r:id="rId16"/>
+    <p:sldId id="270" r:id="rId15"/>
+    <p:sldId id="272" r:id="rId16"/>
     <p:sldId id="271" r:id="rId17"/>
   </p:sldIdLst>
   <p:sldSz cx="12192000" cy="6858000"/>
@@ -216,7 +216,7 @@
           <a:p>
             <a:fld id="{F1599EA0-2EDB-4DB3-9448-6B6199578CD9}" type="datetimeFigureOut">
               <a:rPr lang="fr-FR" smtClean="0"/>
-              <a:t>30/05/2018</a:t>
+              <a:t>05/06/2018</a:t>
             </a:fld>
             <a:endParaRPr lang="fr-FR"/>
           </a:p>
@@ -549,7 +549,7 @@
           <a:p>
             <a:fld id="{A8020623-720D-444E-873F-5CF6465445A4}" type="slidenum">
               <a:rPr lang="fr-FR" smtClean="0"/>
-              <a:t>5</a:t>
+              <a:t>4</a:t>
             </a:fld>
             <a:endParaRPr lang="fr-FR"/>
           </a:p>
@@ -801,7 +801,7 @@
           <a:p>
             <a:fld id="{0AEE68E7-8F63-4CB9-9C80-D7784EE8CFAB}" type="datetimeFigureOut">
               <a:rPr lang="fr-FR" smtClean="0"/>
-              <a:t>30/05/2018</a:t>
+              <a:t>05/06/2018</a:t>
             </a:fld>
             <a:endParaRPr lang="fr-FR"/>
           </a:p>
@@ -1001,7 +1001,7 @@
           <a:p>
             <a:fld id="{0AEE68E7-8F63-4CB9-9C80-D7784EE8CFAB}" type="datetimeFigureOut">
               <a:rPr lang="fr-FR" smtClean="0"/>
-              <a:t>30/05/2018</a:t>
+              <a:t>05/06/2018</a:t>
             </a:fld>
             <a:endParaRPr lang="fr-FR"/>
           </a:p>
@@ -1211,7 +1211,7 @@
           <a:p>
             <a:fld id="{0AEE68E7-8F63-4CB9-9C80-D7784EE8CFAB}" type="datetimeFigureOut">
               <a:rPr lang="fr-FR" smtClean="0"/>
-              <a:t>30/05/2018</a:t>
+              <a:t>05/06/2018</a:t>
             </a:fld>
             <a:endParaRPr lang="fr-FR"/>
           </a:p>
@@ -1411,7 +1411,7 @@
           <a:p>
             <a:fld id="{0AEE68E7-8F63-4CB9-9C80-D7784EE8CFAB}" type="datetimeFigureOut">
               <a:rPr lang="fr-FR" smtClean="0"/>
-              <a:t>30/05/2018</a:t>
+              <a:t>05/06/2018</a:t>
             </a:fld>
             <a:endParaRPr lang="fr-FR"/>
           </a:p>
@@ -1687,7 +1687,7 @@
           <a:p>
             <a:fld id="{0AEE68E7-8F63-4CB9-9C80-D7784EE8CFAB}" type="datetimeFigureOut">
               <a:rPr lang="fr-FR" smtClean="0"/>
-              <a:t>30/05/2018</a:t>
+              <a:t>05/06/2018</a:t>
             </a:fld>
             <a:endParaRPr lang="fr-FR"/>
           </a:p>
@@ -1955,7 +1955,7 @@
           <a:p>
             <a:fld id="{0AEE68E7-8F63-4CB9-9C80-D7784EE8CFAB}" type="datetimeFigureOut">
               <a:rPr lang="fr-FR" smtClean="0"/>
-              <a:t>30/05/2018</a:t>
+              <a:t>05/06/2018</a:t>
             </a:fld>
             <a:endParaRPr lang="fr-FR"/>
           </a:p>
@@ -2370,7 +2370,7 @@
           <a:p>
             <a:fld id="{0AEE68E7-8F63-4CB9-9C80-D7784EE8CFAB}" type="datetimeFigureOut">
               <a:rPr lang="fr-FR" smtClean="0"/>
-              <a:t>30/05/2018</a:t>
+              <a:t>05/06/2018</a:t>
             </a:fld>
             <a:endParaRPr lang="fr-FR"/>
           </a:p>
@@ -2512,7 +2512,7 @@
           <a:p>
             <a:fld id="{0AEE68E7-8F63-4CB9-9C80-D7784EE8CFAB}" type="datetimeFigureOut">
               <a:rPr lang="fr-FR" smtClean="0"/>
-              <a:t>30/05/2018</a:t>
+              <a:t>05/06/2018</a:t>
             </a:fld>
             <a:endParaRPr lang="fr-FR"/>
           </a:p>
@@ -2625,7 +2625,7 @@
           <a:p>
             <a:fld id="{0AEE68E7-8F63-4CB9-9C80-D7784EE8CFAB}" type="datetimeFigureOut">
               <a:rPr lang="fr-FR" smtClean="0"/>
-              <a:t>30/05/2018</a:t>
+              <a:t>05/06/2018</a:t>
             </a:fld>
             <a:endParaRPr lang="fr-FR"/>
           </a:p>
@@ -2938,7 +2938,7 @@
           <a:p>
             <a:fld id="{0AEE68E7-8F63-4CB9-9C80-D7784EE8CFAB}" type="datetimeFigureOut">
               <a:rPr lang="fr-FR" smtClean="0"/>
-              <a:t>30/05/2018</a:t>
+              <a:t>05/06/2018</a:t>
             </a:fld>
             <a:endParaRPr lang="fr-FR"/>
           </a:p>
@@ -3227,7 +3227,7 @@
           <a:p>
             <a:fld id="{0AEE68E7-8F63-4CB9-9C80-D7784EE8CFAB}" type="datetimeFigureOut">
               <a:rPr lang="fr-FR" smtClean="0"/>
-              <a:t>30/05/2018</a:t>
+              <a:t>05/06/2018</a:t>
             </a:fld>
             <a:endParaRPr lang="fr-FR"/>
           </a:p>
@@ -3470,7 +3470,7 @@
           <a:p>
             <a:fld id="{0AEE68E7-8F63-4CB9-9C80-D7784EE8CFAB}" type="datetimeFigureOut">
               <a:rPr lang="fr-FR" smtClean="0"/>
-              <a:t>30/05/2018</a:t>
+              <a:t>05/06/2018</a:t>
             </a:fld>
             <a:endParaRPr lang="fr-FR"/>
           </a:p>
@@ -3944,8 +3944,8 @@
         </p:nvSpPr>
         <p:spPr>
           <a:xfrm>
-            <a:off x="8932984" y="5711092"/>
-            <a:ext cx="2082018" cy="646331"/>
+            <a:off x="8941191" y="5615582"/>
+            <a:ext cx="2082018" cy="923330"/>
           </a:xfrm>
           <a:prstGeom prst="rect">
             <a:avLst/>
@@ -3965,7 +3965,7 @@
             </a:r>
             <a:r>
               <a:rPr lang="en-US" dirty="0"/>
-              <a:t> 3 INFO</a:t>
+              <a:t> 3 Informatique</a:t>
             </a:r>
           </a:p>
           <a:p>
@@ -3996,7 +3996,7 @@
         </p:nvSpPr>
         <p:spPr>
           <a:xfrm>
-            <a:off x="9342119" y="5341760"/>
+            <a:off x="4981134" y="3641746"/>
             <a:ext cx="2039816" cy="369332"/>
           </a:xfrm>
           <a:prstGeom prst="rect">
@@ -4032,8 +4032,8 @@
         </p:nvSpPr>
         <p:spPr>
           <a:xfrm>
-            <a:off x="548640" y="5401994"/>
-            <a:ext cx="2644726" cy="646331"/>
+            <a:off x="492369" y="5156021"/>
+            <a:ext cx="2644726" cy="1200329"/>
           </a:xfrm>
           <a:prstGeom prst="rect">
             <a:avLst/>
@@ -4049,20 +4049,29 @@
             <a:pPr algn="ctr"/>
             <a:r>
               <a:rPr lang="fr-FR" dirty="0"/>
-              <a:t>Université de</a:t>
-            </a:r>
-            <a:r>
-              <a:rPr lang="en-US" dirty="0"/>
-              <a:t> Lorraine</a:t>
+              <a:t>Bruno GUILLAUME</a:t>
             </a:r>
           </a:p>
           <a:p>
             <a:pPr algn="ctr"/>
             <a:r>
-              <a:rPr lang="en-US" dirty="0"/>
-              <a:t>LORIA</a:t>
-            </a:r>
-            <a:endParaRPr lang="fr-FR" dirty="0"/>
+              <a:rPr lang="fr-FR" dirty="0"/>
+              <a:t>Yves LEPAGE</a:t>
+            </a:r>
+          </a:p>
+          <a:p>
+            <a:pPr algn="ctr"/>
+            <a:r>
+              <a:rPr lang="fr-FR" dirty="0"/>
+              <a:t>Jean LIEBER</a:t>
+            </a:r>
+          </a:p>
+          <a:p>
+            <a:pPr algn="ctr"/>
+            <a:r>
+              <a:rPr lang="fr-FR" dirty="0"/>
+              <a:t>Emmanuel NAUER</a:t>
+            </a:r>
           </a:p>
         </p:txBody>
       </p:sp>
@@ -4095,6 +4104,114 @@
           </a:p>
         </p:txBody>
       </p:sp>
+      <p:pic>
+        <p:nvPicPr>
+          <p:cNvPr id="8" name="Picture 7">
+            <a:extLst>
+              <a:ext uri="{FF2B5EF4-FFF2-40B4-BE49-F238E27FC236}">
+                <a16:creationId xmlns:a16="http://schemas.microsoft.com/office/drawing/2014/main" id="{4DBDCD55-F84D-444E-9B81-4D061BFE37B6}"/>
+              </a:ext>
+            </a:extLst>
+          </p:cNvPr>
+          <p:cNvPicPr>
+            <a:picLocks noChangeAspect="1"/>
+          </p:cNvPicPr>
+          <p:nvPr/>
+        </p:nvPicPr>
+        <p:blipFill>
+          <a:blip r:embed="rId2">
+            <a:extLst>
+              <a:ext uri="{28A0092B-C50C-407E-A947-70E740481C1C}">
+                <a14:useLocalDpi xmlns:a14="http://schemas.microsoft.com/office/drawing/2010/main" val="0"/>
+              </a:ext>
+            </a:extLst>
+          </a:blip>
+          <a:stretch>
+            <a:fillRect/>
+          </a:stretch>
+        </p:blipFill>
+        <p:spPr>
+          <a:xfrm>
+            <a:off x="363269" y="306705"/>
+            <a:ext cx="2408067" cy="1444840"/>
+          </a:xfrm>
+          <a:prstGeom prst="rect">
+            <a:avLst/>
+          </a:prstGeom>
+        </p:spPr>
+      </p:pic>
+      <p:pic>
+        <p:nvPicPr>
+          <p:cNvPr id="10" name="Picture 9">
+            <a:extLst>
+              <a:ext uri="{FF2B5EF4-FFF2-40B4-BE49-F238E27FC236}">
+                <a16:creationId xmlns:a16="http://schemas.microsoft.com/office/drawing/2014/main" id="{93027844-A979-40E2-B9C7-D7C3C1EAF13B}"/>
+              </a:ext>
+            </a:extLst>
+          </p:cNvPr>
+          <p:cNvPicPr>
+            <a:picLocks noChangeAspect="1"/>
+          </p:cNvPicPr>
+          <p:nvPr/>
+        </p:nvPicPr>
+        <p:blipFill>
+          <a:blip r:embed="rId3">
+            <a:extLst>
+              <a:ext uri="{28A0092B-C50C-407E-A947-70E740481C1C}">
+                <a14:useLocalDpi xmlns:a14="http://schemas.microsoft.com/office/drawing/2010/main" val="0"/>
+              </a:ext>
+            </a:extLst>
+          </a:blip>
+          <a:stretch>
+            <a:fillRect/>
+          </a:stretch>
+        </p:blipFill>
+        <p:spPr>
+          <a:xfrm>
+            <a:off x="9307088" y="470007"/>
+            <a:ext cx="2109877" cy="1118235"/>
+          </a:xfrm>
+          <a:prstGeom prst="rect">
+            <a:avLst/>
+          </a:prstGeom>
+        </p:spPr>
+      </p:pic>
+      <p:pic>
+        <p:nvPicPr>
+          <p:cNvPr id="12" name="Picture 11">
+            <a:extLst>
+              <a:ext uri="{FF2B5EF4-FFF2-40B4-BE49-F238E27FC236}">
+                <a16:creationId xmlns:a16="http://schemas.microsoft.com/office/drawing/2014/main" id="{19EB1D69-4787-4210-B1AA-4B28163F3D12}"/>
+              </a:ext>
+            </a:extLst>
+          </p:cNvPr>
+          <p:cNvPicPr>
+            <a:picLocks noChangeAspect="1"/>
+          </p:cNvPicPr>
+          <p:nvPr/>
+        </p:nvPicPr>
+        <p:blipFill>
+          <a:blip r:embed="rId4">
+            <a:extLst>
+              <a:ext uri="{28A0092B-C50C-407E-A947-70E740481C1C}">
+                <a14:useLocalDpi xmlns:a14="http://schemas.microsoft.com/office/drawing/2010/main" val="0"/>
+              </a:ext>
+            </a:extLst>
+          </a:blip>
+          <a:stretch>
+            <a:fillRect/>
+          </a:stretch>
+        </p:blipFill>
+        <p:spPr>
+          <a:xfrm>
+            <a:off x="9052560" y="4712537"/>
+            <a:ext cx="1859280" cy="886968"/>
+          </a:xfrm>
+          <a:prstGeom prst="rect">
+            <a:avLst/>
+          </a:prstGeom>
+        </p:spPr>
+      </p:pic>
     </p:spTree>
     <p:extLst>
       <p:ext uri="{BB962C8B-B14F-4D97-AF65-F5344CB8AC3E}">
@@ -4205,7 +4322,7 @@
               <a:t>“Correct” </a:t>
             </a:r>
             <a:r>
-              <a:rPr lang="fr-FR"/>
+              <a:rPr lang="fr-FR" dirty="0"/>
               <a:t>désactivé </a:t>
             </a:r>
             <a:endParaRPr lang="en-US" dirty="0"/>
@@ -4239,10 +4356,7 @@
               <a:rPr lang="en-US" dirty="0" err="1"/>
               <a:t>d’utilisateur</a:t>
             </a:r>
-            <a:r>
-              <a:rPr lang="en-US" dirty="0"/>
-              <a:t>.</a:t>
-            </a:r>
+            <a:endParaRPr lang="en-US" dirty="0"/>
           </a:p>
           <a:p>
             <a:r>
@@ -4263,7 +4377,15 @@
             </a:r>
             <a:r>
               <a:rPr lang="en-US" dirty="0"/>
-              <a:t> avec status “</a:t>
+              <a:t> avec </a:t>
+            </a:r>
+            <a:r>
+              <a:rPr lang="en-US" dirty="0" err="1"/>
+              <a:t>statut</a:t>
+            </a:r>
+            <a:r>
+              <a:rPr lang="en-US" dirty="0"/>
+              <a:t> “</a:t>
             </a:r>
             <a:r>
               <a:rPr lang="en-US" dirty="0" err="1"/>
@@ -4290,12 +4412,41 @@
           </a:p>
         </p:txBody>
       </p:sp>
+      <p:sp>
+        <p:nvSpPr>
+          <p:cNvPr id="5" name="Slide Number Placeholder 4">
+            <a:extLst>
+              <a:ext uri="{FF2B5EF4-FFF2-40B4-BE49-F238E27FC236}">
+                <a16:creationId xmlns:a16="http://schemas.microsoft.com/office/drawing/2014/main" id="{04871ABA-07C1-4BC0-A5E9-05E51A86610E}"/>
+              </a:ext>
+            </a:extLst>
+          </p:cNvPr>
+          <p:cNvSpPr>
+            <a:spLocks noGrp="1"/>
+          </p:cNvSpPr>
+          <p:nvPr>
+            <p:ph type="sldNum" sz="quarter" idx="12"/>
+          </p:nvPr>
+        </p:nvSpPr>
+        <p:spPr/>
+        <p:txBody>
+          <a:bodyPr/>
+          <a:lstStyle/>
+          <a:p>
+            <a:fld id="{3838EE45-6CEB-4599-9988-AC5948346DCB}" type="slidenum">
+              <a:rPr lang="fr-FR" smtClean="0"/>
+              <a:t>10</a:t>
+            </a:fld>
+            <a:endParaRPr lang="fr-FR"/>
+          </a:p>
+        </p:txBody>
+      </p:sp>
       <p:pic>
         <p:nvPicPr>
-          <p:cNvPr id="3" name="Picture 2">
-            <a:extLst>
-              <a:ext uri="{FF2B5EF4-FFF2-40B4-BE49-F238E27FC236}">
-                <a16:creationId xmlns:a16="http://schemas.microsoft.com/office/drawing/2014/main" id="{B261CECF-C5C9-4F9F-A23A-1F7DB36A6510}"/>
+          <p:cNvPr id="4" name="Picture 3">
+            <a:extLst>
+              <a:ext uri="{FF2B5EF4-FFF2-40B4-BE49-F238E27FC236}">
+                <a16:creationId xmlns:a16="http://schemas.microsoft.com/office/drawing/2014/main" id="{96053690-01FC-4021-A830-C2FB4617D15D}"/>
               </a:ext>
             </a:extLst>
           </p:cNvPr>
@@ -4312,43 +4463,14 @@
         </p:blipFill>
         <p:spPr>
           <a:xfrm>
-            <a:off x="671512" y="1560414"/>
-            <a:ext cx="10848975" cy="1514475"/>
+            <a:off x="838200" y="1622599"/>
+            <a:ext cx="10515600" cy="1390650"/>
           </a:xfrm>
           <a:prstGeom prst="rect">
             <a:avLst/>
           </a:prstGeom>
         </p:spPr>
       </p:pic>
-      <p:sp>
-        <p:nvSpPr>
-          <p:cNvPr id="5" name="Slide Number Placeholder 4">
-            <a:extLst>
-              <a:ext uri="{FF2B5EF4-FFF2-40B4-BE49-F238E27FC236}">
-                <a16:creationId xmlns:a16="http://schemas.microsoft.com/office/drawing/2014/main" id="{04871ABA-07C1-4BC0-A5E9-05E51A86610E}"/>
-              </a:ext>
-            </a:extLst>
-          </p:cNvPr>
-          <p:cNvSpPr>
-            <a:spLocks noGrp="1"/>
-          </p:cNvSpPr>
-          <p:nvPr>
-            <p:ph type="sldNum" sz="quarter" idx="12"/>
-          </p:nvPr>
-        </p:nvSpPr>
-        <p:spPr/>
-        <p:txBody>
-          <a:bodyPr/>
-          <a:lstStyle/>
-          <a:p>
-            <a:fld id="{3838EE45-6CEB-4599-9988-AC5948346DCB}" type="slidenum">
-              <a:rPr lang="fr-FR" smtClean="0"/>
-              <a:t>10</a:t>
-            </a:fld>
-            <a:endParaRPr lang="fr-FR"/>
-          </a:p>
-        </p:txBody>
-      </p:sp>
     </p:spTree>
     <p:extLst>
       <p:ext uri="{BB962C8B-B14F-4D97-AF65-F5344CB8AC3E}">
@@ -4435,24 +4557,57 @@
         </p:nvSpPr>
         <p:spPr>
           <a:xfrm>
-            <a:off x="838200" y="1825625"/>
-            <a:ext cx="10515600" cy="1494350"/>
+            <a:off x="838200" y="1575582"/>
+            <a:ext cx="10515600" cy="3446584"/>
           </a:xfrm>
         </p:spPr>
         <p:txBody>
-          <a:bodyPr/>
-          <a:lstStyle/>
-          <a:p>
+          <a:bodyPr>
+            <a:normAutofit/>
+          </a:bodyPr>
+          <a:lstStyle/>
+          <a:p>
+            <a:r>
+              <a:rPr lang="fr-FR" dirty="0"/>
+              <a:t>Expert :</a:t>
+            </a:r>
+          </a:p>
+          <a:p>
+            <a:pPr lvl="1"/>
             <a:r>
               <a:rPr lang="fr-FR" dirty="0"/>
               <a:t>Insertion dans la base de cas à partir des fichiers csv</a:t>
             </a:r>
           </a:p>
           <a:p>
+            <a:pPr lvl="1"/>
             <a:r>
               <a:rPr lang="fr-FR" dirty="0"/>
-              <a:t>Validation des problèmes  et des solutions proposées par les utilisateurs.</a:t>
-            </a:r>
+              <a:t>Validation des problèmes  et des solutions proposées par les utilisateurs</a:t>
+            </a:r>
+          </a:p>
+          <a:p>
+            <a:r>
+              <a:rPr lang="fr-FR" dirty="0"/>
+              <a:t>Web master:</a:t>
+            </a:r>
+          </a:p>
+          <a:p>
+            <a:pPr lvl="1"/>
+            <a:r>
+              <a:rPr lang="fr-FR" dirty="0"/>
+              <a:t>Gérer le site</a:t>
+            </a:r>
+          </a:p>
+          <a:p>
+            <a:pPr lvl="1"/>
+            <a:endParaRPr lang="fr-FR" dirty="0"/>
+          </a:p>
+          <a:p>
+            <a:pPr marL="457200" lvl="1" indent="0">
+              <a:buNone/>
+            </a:pPr>
+            <a:endParaRPr lang="fr-FR" dirty="0"/>
           </a:p>
         </p:txBody>
       </p:sp>
@@ -4760,24 +4915,43 @@
               <a:t>« Afficher »: dans un tableau tous les cas avec statut « false ou en attente »</a:t>
             </a:r>
           </a:p>
-          <a:p>
-            <a:r>
-              <a:rPr lang="fr-FR" dirty="0" err="1"/>
-              <a:t>CheckBox</a:t>
-            </a:r>
-            <a:r>
-              <a:rPr lang="fr-FR" dirty="0"/>
-              <a:t> ou Bouton ?</a:t>
-            </a:r>
+        </p:txBody>
+      </p:sp>
+      <p:sp>
+        <p:nvSpPr>
+          <p:cNvPr id="4" name="Slide Number Placeholder 3">
+            <a:extLst>
+              <a:ext uri="{FF2B5EF4-FFF2-40B4-BE49-F238E27FC236}">
+                <a16:creationId xmlns:a16="http://schemas.microsoft.com/office/drawing/2014/main" id="{025D6429-2124-4337-82DB-18B07E790800}"/>
+              </a:ext>
+            </a:extLst>
+          </p:cNvPr>
+          <p:cNvSpPr>
+            <a:spLocks noGrp="1"/>
+          </p:cNvSpPr>
+          <p:nvPr>
+            <p:ph type="sldNum" sz="quarter" idx="12"/>
+          </p:nvPr>
+        </p:nvSpPr>
+        <p:spPr/>
+        <p:txBody>
+          <a:bodyPr/>
+          <a:lstStyle/>
+          <a:p>
+            <a:fld id="{3838EE45-6CEB-4599-9988-AC5948346DCB}" type="slidenum">
+              <a:rPr lang="fr-FR" smtClean="0"/>
+              <a:t>13</a:t>
+            </a:fld>
+            <a:endParaRPr lang="fr-FR"/>
           </a:p>
         </p:txBody>
       </p:sp>
       <p:pic>
         <p:nvPicPr>
-          <p:cNvPr id="6" name="Picture 5">
-            <a:extLst>
-              <a:ext uri="{FF2B5EF4-FFF2-40B4-BE49-F238E27FC236}">
-                <a16:creationId xmlns:a16="http://schemas.microsoft.com/office/drawing/2014/main" id="{611D4D79-BCAE-47AA-A600-A9BE89776ECD}"/>
+          <p:cNvPr id="7" name="Picture 6">
+            <a:extLst>
+              <a:ext uri="{FF2B5EF4-FFF2-40B4-BE49-F238E27FC236}">
+                <a16:creationId xmlns:a16="http://schemas.microsoft.com/office/drawing/2014/main" id="{54ADF560-A8CC-4799-AE2E-1E9F569DBD3A}"/>
               </a:ext>
             </a:extLst>
           </p:cNvPr>
@@ -4794,43 +4968,14 @@
         </p:blipFill>
         <p:spPr>
           <a:xfrm>
-            <a:off x="3598252" y="1825625"/>
-            <a:ext cx="5276850" cy="1724025"/>
+            <a:off x="3600450" y="1560341"/>
+            <a:ext cx="4991100" cy="2133600"/>
           </a:xfrm>
           <a:prstGeom prst="rect">
             <a:avLst/>
           </a:prstGeom>
         </p:spPr>
       </p:pic>
-      <p:sp>
-        <p:nvSpPr>
-          <p:cNvPr id="4" name="Slide Number Placeholder 3">
-            <a:extLst>
-              <a:ext uri="{FF2B5EF4-FFF2-40B4-BE49-F238E27FC236}">
-                <a16:creationId xmlns:a16="http://schemas.microsoft.com/office/drawing/2014/main" id="{025D6429-2124-4337-82DB-18B07E790800}"/>
-              </a:ext>
-            </a:extLst>
-          </p:cNvPr>
-          <p:cNvSpPr>
-            <a:spLocks noGrp="1"/>
-          </p:cNvSpPr>
-          <p:nvPr>
-            <p:ph type="sldNum" sz="quarter" idx="12"/>
-          </p:nvPr>
-        </p:nvSpPr>
-        <p:spPr/>
-        <p:txBody>
-          <a:bodyPr/>
-          <a:lstStyle/>
-          <a:p>
-            <a:fld id="{3838EE45-6CEB-4599-9988-AC5948346DCB}" type="slidenum">
-              <a:rPr lang="fr-FR" smtClean="0"/>
-              <a:t>13</a:t>
-            </a:fld>
-            <a:endParaRPr lang="fr-FR"/>
-          </a:p>
-        </p:txBody>
-      </p:sp>
     </p:spTree>
     <p:extLst>
       <p:ext uri="{BB962C8B-B14F-4D97-AF65-F5344CB8AC3E}">
@@ -4866,7 +5011,7 @@
           <p:cNvPr id="2" name="Title 1">
             <a:extLst>
               <a:ext uri="{FF2B5EF4-FFF2-40B4-BE49-F238E27FC236}">
-                <a16:creationId xmlns:a16="http://schemas.microsoft.com/office/drawing/2014/main" id="{2AF94B8B-F890-49D0-8C54-39E8CF81B3C8}"/>
+                <a16:creationId xmlns:a16="http://schemas.microsoft.com/office/drawing/2014/main" id="{F7089F2E-BEF4-4FC3-B8EA-59CC10F9133E}"/>
               </a:ext>
             </a:extLst>
           </p:cNvPr>
@@ -4889,7 +5034,7 @@
                   <a:srgbClr val="FF0000"/>
                 </a:solidFill>
               </a:rPr>
-              <a:t>CONCLUSION</a:t>
+              <a:t>DEMO</a:t>
             </a:r>
           </a:p>
         </p:txBody>
@@ -4899,7 +5044,7 @@
           <p:cNvPr id="3" name="Content Placeholder 2">
             <a:extLst>
               <a:ext uri="{FF2B5EF4-FFF2-40B4-BE49-F238E27FC236}">
-                <a16:creationId xmlns:a16="http://schemas.microsoft.com/office/drawing/2014/main" id="{5073442C-7319-475A-B0CB-F5780322ED62}"/>
+                <a16:creationId xmlns:a16="http://schemas.microsoft.com/office/drawing/2014/main" id="{3ED0531C-C6C6-4D5D-8047-0173B2296BCA}"/>
               </a:ext>
             </a:extLst>
           </p:cNvPr>
@@ -4920,57 +5065,43 @@
           <a:bodyPr/>
           <a:lstStyle/>
           <a:p>
-            <a:r>
-              <a:rPr lang="fr-FR" dirty="0"/>
-              <a:t>Difficultés: </a:t>
-            </a:r>
-          </a:p>
-          <a:p>
-            <a:pPr lvl="1"/>
-            <a:r>
-              <a:rPr lang="fr-FR" dirty="0"/>
-              <a:t>mettre en commun le moteur avec le site web.</a:t>
-            </a:r>
-          </a:p>
-          <a:p>
-            <a:pPr lvl="1"/>
-            <a:r>
-              <a:rPr lang="fr-FR" dirty="0"/>
-              <a:t>choix du design.</a:t>
-            </a:r>
-          </a:p>
-          <a:p>
-            <a:r>
-              <a:rPr lang="fr-FR" dirty="0"/>
-              <a:t>Résultat:</a:t>
-            </a:r>
-          </a:p>
-          <a:p>
-            <a:pPr lvl="1"/>
-            <a:r>
-              <a:rPr lang="fr-FR" dirty="0"/>
-              <a:t>Site fonctionne et </a:t>
-            </a:r>
-            <a:r>
-              <a:rPr lang="fr-FR" dirty="0" err="1"/>
-              <a:t>deployable</a:t>
-            </a:r>
             <a:endParaRPr lang="fr-FR" dirty="0"/>
           </a:p>
-          <a:p>
-            <a:pPr lvl="1"/>
-            <a:endParaRPr lang="fr-FR" dirty="0"/>
-          </a:p>
-          <a:p>
-            <a:pPr lvl="1"/>
-            <a:endParaRPr lang="fr-FR" dirty="0"/>
+        </p:txBody>
+      </p:sp>
+      <p:sp>
+        <p:nvSpPr>
+          <p:cNvPr id="4" name="Slide Number Placeholder 3">
+            <a:extLst>
+              <a:ext uri="{FF2B5EF4-FFF2-40B4-BE49-F238E27FC236}">
+                <a16:creationId xmlns:a16="http://schemas.microsoft.com/office/drawing/2014/main" id="{F29ADC21-F2B5-4E34-8039-C83A54C498E0}"/>
+              </a:ext>
+            </a:extLst>
+          </p:cNvPr>
+          <p:cNvSpPr>
+            <a:spLocks noGrp="1"/>
+          </p:cNvSpPr>
+          <p:nvPr>
+            <p:ph type="sldNum" sz="quarter" idx="12"/>
+          </p:nvPr>
+        </p:nvSpPr>
+        <p:spPr/>
+        <p:txBody>
+          <a:bodyPr/>
+          <a:lstStyle/>
+          <a:p>
+            <a:fld id="{3838EE45-6CEB-4599-9988-AC5948346DCB}" type="slidenum">
+              <a:rPr lang="fr-FR" smtClean="0"/>
+              <a:t>14</a:t>
+            </a:fld>
+            <a:endParaRPr lang="fr-FR"/>
           </a:p>
         </p:txBody>
       </p:sp>
     </p:spTree>
     <p:extLst>
       <p:ext uri="{BB962C8B-B14F-4D97-AF65-F5344CB8AC3E}">
-        <p14:creationId xmlns:p14="http://schemas.microsoft.com/office/powerpoint/2010/main" val="2851792376"/>
+        <p14:creationId xmlns:p14="http://schemas.microsoft.com/office/powerpoint/2010/main" val="762069452"/>
       </p:ext>
     </p:extLst>
   </p:cSld>
@@ -5002,7 +5133,7 @@
           <p:cNvPr id="2" name="Title 1">
             <a:extLst>
               <a:ext uri="{FF2B5EF4-FFF2-40B4-BE49-F238E27FC236}">
-                <a16:creationId xmlns:a16="http://schemas.microsoft.com/office/drawing/2014/main" id="{F7089F2E-BEF4-4FC3-B8EA-59CC10F9133E}"/>
+                <a16:creationId xmlns:a16="http://schemas.microsoft.com/office/drawing/2014/main" id="{2AF94B8B-F890-49D0-8C54-39E8CF81B3C8}"/>
               </a:ext>
             </a:extLst>
           </p:cNvPr>
@@ -5025,7 +5156,7 @@
                   <a:srgbClr val="FF0000"/>
                 </a:solidFill>
               </a:rPr>
-              <a:t>DEMO</a:t>
+              <a:t>CONCLUSION</a:t>
             </a:r>
           </a:p>
         </p:txBody>
@@ -5035,7 +5166,7 @@
           <p:cNvPr id="3" name="Content Placeholder 2">
             <a:extLst>
               <a:ext uri="{FF2B5EF4-FFF2-40B4-BE49-F238E27FC236}">
-                <a16:creationId xmlns:a16="http://schemas.microsoft.com/office/drawing/2014/main" id="{3ED0531C-C6C6-4D5D-8047-0173B2296BCA}"/>
+                <a16:creationId xmlns:a16="http://schemas.microsoft.com/office/drawing/2014/main" id="{5073442C-7319-475A-B0CB-F5780322ED62}"/>
               </a:ext>
             </a:extLst>
           </p:cNvPr>
@@ -5056,43 +5187,73 @@
           <a:bodyPr/>
           <a:lstStyle/>
           <a:p>
+            <a:r>
+              <a:rPr lang="fr-FR" dirty="0"/>
+              <a:t>Difficultés : </a:t>
+            </a:r>
+          </a:p>
+          <a:p>
+            <a:pPr lvl="1"/>
+            <a:r>
+              <a:rPr lang="fr-FR" dirty="0"/>
+              <a:t>Mettre en commun le moteur avec le site web</a:t>
+            </a:r>
+          </a:p>
+          <a:p>
+            <a:pPr lvl="1"/>
+            <a:r>
+              <a:rPr lang="fr-FR" dirty="0"/>
+              <a:t>Choix du design.</a:t>
+            </a:r>
+          </a:p>
+          <a:p>
+            <a:r>
+              <a:rPr lang="fr-FR" dirty="0"/>
+              <a:t>Amélioration :</a:t>
+            </a:r>
+          </a:p>
+          <a:p>
+            <a:pPr lvl="1"/>
+            <a:r>
+              <a:rPr lang="fr-FR" dirty="0"/>
+              <a:t>Différentes types d’administrateur</a:t>
+            </a:r>
+          </a:p>
+          <a:p>
+            <a:r>
+              <a:rPr lang="fr-FR" dirty="0"/>
+              <a:t>Résultat:</a:t>
+            </a:r>
+          </a:p>
+          <a:p>
+            <a:pPr lvl="1"/>
+            <a:r>
+              <a:rPr lang="fr-FR" dirty="0"/>
+              <a:t>Site fonctionne et déployable</a:t>
+            </a:r>
+          </a:p>
+          <a:p>
+            <a:pPr lvl="1"/>
             <a:endParaRPr lang="fr-FR" dirty="0"/>
           </a:p>
-        </p:txBody>
-      </p:sp>
-      <p:sp>
-        <p:nvSpPr>
-          <p:cNvPr id="4" name="Slide Number Placeholder 3">
-            <a:extLst>
-              <a:ext uri="{FF2B5EF4-FFF2-40B4-BE49-F238E27FC236}">
-                <a16:creationId xmlns:a16="http://schemas.microsoft.com/office/drawing/2014/main" id="{F29ADC21-F2B5-4E34-8039-C83A54C498E0}"/>
-              </a:ext>
-            </a:extLst>
-          </p:cNvPr>
-          <p:cNvSpPr>
-            <a:spLocks noGrp="1"/>
-          </p:cNvSpPr>
-          <p:nvPr>
-            <p:ph type="sldNum" sz="quarter" idx="12"/>
-          </p:nvPr>
-        </p:nvSpPr>
-        <p:spPr/>
-        <p:txBody>
-          <a:bodyPr/>
-          <a:lstStyle/>
-          <a:p>
-            <a:fld id="{3838EE45-6CEB-4599-9988-AC5948346DCB}" type="slidenum">
-              <a:rPr lang="fr-FR" smtClean="0"/>
-              <a:t>15</a:t>
-            </a:fld>
-            <a:endParaRPr lang="fr-FR"/>
+          <a:p>
+            <a:pPr lvl="1"/>
+            <a:endParaRPr lang="fr-FR" dirty="0"/>
+          </a:p>
+          <a:p>
+            <a:pPr lvl="1"/>
+            <a:endParaRPr lang="fr-FR" dirty="0"/>
+          </a:p>
+          <a:p>
+            <a:pPr lvl="1"/>
+            <a:endParaRPr lang="fr-FR" dirty="0"/>
           </a:p>
         </p:txBody>
       </p:sp>
     </p:spTree>
     <p:extLst>
       <p:ext uri="{BB962C8B-B14F-4D97-AF65-F5344CB8AC3E}">
-        <p14:creationId xmlns:p14="http://schemas.microsoft.com/office/powerpoint/2010/main" val="762069452"/>
+        <p14:creationId xmlns:p14="http://schemas.microsoft.com/office/powerpoint/2010/main" val="2851792376"/>
       </p:ext>
     </p:extLst>
   </p:cSld>
@@ -5277,31 +5438,46 @@
           <a:p>
             <a:r>
               <a:rPr lang="fr-FR" dirty="0"/>
-              <a:t>Laboratoire lorrain de recherche en informatique et ses applications.</a:t>
+              <a:t>Laboratoire lorrain de recherche en informatique et ses applications</a:t>
             </a:r>
           </a:p>
           <a:p>
             <a:r>
               <a:rPr lang="fr-FR" dirty="0"/>
-              <a:t>En 1997.</a:t>
+              <a:t>Le CNRS, l’Université de Lorraine et Inria</a:t>
             </a:r>
           </a:p>
           <a:p>
             <a:r>
               <a:rPr lang="fr-FR" dirty="0"/>
-              <a:t>Unité Mixte de Recherche.</a:t>
-            </a:r>
-          </a:p>
-          <a:p>
+              <a:t>TALC.</a:t>
+            </a:r>
+          </a:p>
+          <a:p>
+            <a:pPr lvl="1"/>
             <a:r>
               <a:rPr lang="fr-FR" dirty="0"/>
-              <a:t>Le CNRS, l’Université de Lorraine et Inria.</a:t>
-            </a:r>
-          </a:p>
-          <a:p>
+              <a:t>Langue</a:t>
+            </a:r>
+          </a:p>
+          <a:p>
+            <a:pPr lvl="1"/>
             <a:r>
               <a:rPr lang="fr-FR" dirty="0"/>
-              <a:t>28 équipes structurées en 5 départements.</a:t>
+              <a:t>Connaissances</a:t>
+            </a:r>
+          </a:p>
+          <a:p>
+            <a:pPr lvl="1"/>
+            <a:r>
+              <a:rPr lang="fr-FR" dirty="0"/>
+              <a:t>Documents</a:t>
+            </a:r>
+          </a:p>
+          <a:p>
+            <a:r>
+              <a:rPr lang="fr-FR" dirty="0"/>
+              <a:t>Orpailleur</a:t>
             </a:r>
           </a:p>
         </p:txBody>
@@ -5367,6 +5543,55 @@
       </p:grpSpPr>
       <p:sp>
         <p:nvSpPr>
+          <p:cNvPr id="3" name="Rectangle 2">
+            <a:extLst>
+              <a:ext uri="{FF2B5EF4-FFF2-40B4-BE49-F238E27FC236}">
+                <a16:creationId xmlns:a16="http://schemas.microsoft.com/office/drawing/2014/main" id="{06DB10D7-3877-463A-B5F1-D65449C78F8A}"/>
+              </a:ext>
+            </a:extLst>
+          </p:cNvPr>
+          <p:cNvSpPr/>
+          <p:nvPr/>
+        </p:nvSpPr>
+        <p:spPr>
+          <a:xfrm>
+            <a:off x="6491046" y="1447833"/>
+            <a:ext cx="2089084" cy="4795228"/>
+          </a:xfrm>
+          <a:prstGeom prst="rect">
+            <a:avLst/>
+          </a:prstGeom>
+          <a:solidFill>
+            <a:srgbClr val="00B0F0"/>
+          </a:solidFill>
+        </p:spPr>
+        <p:style>
+          <a:lnRef idx="2">
+            <a:schemeClr val="accent1">
+              <a:shade val="50000"/>
+            </a:schemeClr>
+          </a:lnRef>
+          <a:fillRef idx="1">
+            <a:schemeClr val="accent1"/>
+          </a:fillRef>
+          <a:effectRef idx="0">
+            <a:schemeClr val="accent1"/>
+          </a:effectRef>
+          <a:fontRef idx="minor">
+            <a:schemeClr val="lt1"/>
+          </a:fontRef>
+        </p:style>
+        <p:txBody>
+          <a:bodyPr rtlCol="0" anchor="ctr"/>
+          <a:lstStyle/>
+          <a:p>
+            <a:pPr algn="ctr"/>
+            <a:endParaRPr lang="fr-FR"/>
+          </a:p>
+        </p:txBody>
+      </p:sp>
+      <p:sp>
+        <p:nvSpPr>
           <p:cNvPr id="2" name="Title 1">
             <a:extLst>
               <a:ext uri="{FF2B5EF4-FFF2-40B4-BE49-F238E27FC236}">
@@ -5393,13 +5618,18 @@
           <a:p>
             <a:pPr algn="ctr"/>
             <a:r>
-              <a:rPr lang="fr-FR" dirty="0">
+              <a:rPr lang="en-US" dirty="0">
                 <a:solidFill>
                   <a:srgbClr val="FF0000"/>
                 </a:solidFill>
               </a:rPr>
               <a:t>GENERALITÉS</a:t>
             </a:r>
+            <a:endParaRPr lang="fr-FR" dirty="0">
+              <a:solidFill>
+                <a:srgbClr val="FF0000"/>
+              </a:solidFill>
+            </a:endParaRPr>
           </a:p>
         </p:txBody>
       </p:sp>
@@ -5427,7 +5657,7 @@
         </p:blipFill>
         <p:spPr>
           <a:xfrm>
-            <a:off x="6588662" y="1729277"/>
+            <a:off x="6588662" y="1759824"/>
             <a:ext cx="1875793" cy="1568046"/>
           </a:xfrm>
           <a:prstGeom prst="rect">
@@ -5677,7 +5907,7 @@
         </p:nvSpPr>
         <p:spPr>
           <a:xfrm rot="14567114">
-            <a:off x="8751340" y="4392323"/>
+            <a:off x="8967637" y="4385426"/>
             <a:ext cx="631551" cy="1175102"/>
           </a:xfrm>
           <a:prstGeom prst="downArrow">
@@ -5902,43 +6132,41 @@
           </a:lstStyle>
           <a:p>
             <a:r>
-              <a:rPr lang="en-US" dirty="0"/>
-              <a:t>Recherche</a:t>
-            </a:r>
-          </a:p>
-          <a:p>
-            <a:r>
-              <a:rPr lang="en-US" dirty="0"/>
-              <a:t>3 </a:t>
-            </a:r>
-            <a:r>
-              <a:rPr lang="en-US" dirty="0" err="1"/>
-              <a:t>Personnes</a:t>
+              <a:rPr lang="fr-FR" dirty="0"/>
+              <a:t>Un moteur d'inférences</a:t>
+            </a:r>
+          </a:p>
+          <a:p>
+            <a:r>
+              <a:rPr lang="fr-FR" dirty="0"/>
+              <a:t>Acquisition semi-automatique </a:t>
+            </a:r>
+            <a:br>
+              <a:rPr lang="fr-FR" dirty="0"/>
+            </a:br>
+            <a:r>
+              <a:rPr lang="fr-FR" dirty="0"/>
+              <a:t>de cas</a:t>
+            </a:r>
+          </a:p>
+          <a:p>
+            <a:r>
+              <a:rPr lang="fr-FR" dirty="0"/>
+              <a:t>Une infrastructure Web</a:t>
             </a:r>
             <a:endParaRPr lang="en-US" dirty="0"/>
           </a:p>
           <a:p>
-            <a:r>
-              <a:rPr lang="en-US" dirty="0"/>
-              <a:t>4 </a:t>
-            </a:r>
-            <a:r>
-              <a:rPr lang="en-US" dirty="0" err="1"/>
-              <a:t>Encadrants</a:t>
-            </a:r>
-            <a:endParaRPr lang="en-US" dirty="0"/>
-          </a:p>
-          <a:p>
             <a:endParaRPr lang="fr-FR" dirty="0"/>
           </a:p>
         </p:txBody>
       </p:sp>
       <p:sp>
         <p:nvSpPr>
-          <p:cNvPr id="3" name="Slide Number Placeholder 2">
-            <a:extLst>
-              <a:ext uri="{FF2B5EF4-FFF2-40B4-BE49-F238E27FC236}">
-                <a16:creationId xmlns:a16="http://schemas.microsoft.com/office/drawing/2014/main" id="{4A237029-C9C2-47D8-9684-C38153D890F9}"/>
+          <p:cNvPr id="4" name="Slide Number Placeholder 3">
+            <a:extLst>
+              <a:ext uri="{FF2B5EF4-FFF2-40B4-BE49-F238E27FC236}">
+                <a16:creationId xmlns:a16="http://schemas.microsoft.com/office/drawing/2014/main" id="{7CF22DC9-CC48-49C4-AADC-B13EA1F33D3C}"/>
               </a:ext>
             </a:extLst>
           </p:cNvPr>
@@ -5965,7 +6193,7 @@
     </p:spTree>
     <p:extLst>
       <p:ext uri="{BB962C8B-B14F-4D97-AF65-F5344CB8AC3E}">
-        <p14:creationId xmlns:p14="http://schemas.microsoft.com/office/powerpoint/2010/main" val="3286610782"/>
+        <p14:creationId xmlns:p14="http://schemas.microsoft.com/office/powerpoint/2010/main" val="3323050231"/>
       </p:ext>
     </p:extLst>
   </p:cSld>
@@ -5992,623 +6220,113 @@
           <a:chExt cx="0" cy="0"/>
         </a:xfrm>
       </p:grpSpPr>
-      <p:sp>
-        <p:nvSpPr>
-          <p:cNvPr id="3" name="Rectangle 2">
-            <a:extLst>
-              <a:ext uri="{FF2B5EF4-FFF2-40B4-BE49-F238E27FC236}">
-                <a16:creationId xmlns:a16="http://schemas.microsoft.com/office/drawing/2014/main" id="{06DB10D7-3877-463A-B5F1-D65449C78F8A}"/>
-              </a:ext>
-            </a:extLst>
-          </p:cNvPr>
-          <p:cNvSpPr/>
-          <p:nvPr/>
-        </p:nvSpPr>
-        <p:spPr>
-          <a:xfrm>
-            <a:off x="6491046" y="1447833"/>
-            <a:ext cx="2089084" cy="4795228"/>
-          </a:xfrm>
-          <a:prstGeom prst="rect">
-            <a:avLst/>
-          </a:prstGeom>
-          <a:solidFill>
-            <a:srgbClr val="00B0F0"/>
-          </a:solidFill>
-        </p:spPr>
-        <p:style>
-          <a:lnRef idx="2">
-            <a:schemeClr val="accent1">
-              <a:shade val="50000"/>
-            </a:schemeClr>
-          </a:lnRef>
-          <a:fillRef idx="1">
-            <a:schemeClr val="accent1"/>
-          </a:fillRef>
-          <a:effectRef idx="0">
-            <a:schemeClr val="accent1"/>
-          </a:effectRef>
-          <a:fontRef idx="minor">
-            <a:schemeClr val="lt1"/>
-          </a:fontRef>
-        </p:style>
-        <p:txBody>
-          <a:bodyPr rtlCol="0" anchor="ctr"/>
-          <a:lstStyle/>
-          <a:p>
-            <a:pPr algn="ctr"/>
-            <a:endParaRPr lang="fr-FR"/>
-          </a:p>
-        </p:txBody>
-      </p:sp>
-      <p:sp>
-        <p:nvSpPr>
-          <p:cNvPr id="2" name="Title 1">
-            <a:extLst>
-              <a:ext uri="{FF2B5EF4-FFF2-40B4-BE49-F238E27FC236}">
-                <a16:creationId xmlns:a16="http://schemas.microsoft.com/office/drawing/2014/main" id="{DB5E7626-5C07-4D1C-A480-13C7FBF6606E}"/>
-              </a:ext>
-            </a:extLst>
-          </p:cNvPr>
-          <p:cNvSpPr>
-            <a:spLocks noGrp="1"/>
-          </p:cNvSpPr>
-          <p:nvPr>
-            <p:ph type="title"/>
-          </p:nvPr>
-        </p:nvSpPr>
-        <p:spPr>
-          <a:xfrm>
-            <a:off x="838200" y="365125"/>
-            <a:ext cx="10515600" cy="1325563"/>
-          </a:xfrm>
-        </p:spPr>
-        <p:txBody>
-          <a:bodyPr/>
-          <a:lstStyle/>
-          <a:p>
-            <a:pPr algn="ctr"/>
-            <a:r>
-              <a:rPr lang="en-US" dirty="0">
-                <a:solidFill>
-                  <a:srgbClr val="FF0000"/>
-                </a:solidFill>
-              </a:rPr>
-              <a:t>GENERALITÉS</a:t>
-            </a:r>
-            <a:endParaRPr lang="fr-FR" dirty="0">
-              <a:solidFill>
-                <a:srgbClr val="FF0000"/>
-              </a:solidFill>
-            </a:endParaRPr>
-          </a:p>
-        </p:txBody>
-      </p:sp>
       <p:pic>
         <p:nvPicPr>
-          <p:cNvPr id="6" name="Content Placeholder 5">
-            <a:extLst>
-              <a:ext uri="{FF2B5EF4-FFF2-40B4-BE49-F238E27FC236}">
-                <a16:creationId xmlns:a16="http://schemas.microsoft.com/office/drawing/2014/main" id="{E11869FC-DC31-4DDE-9EDC-D36603FC60B6}"/>
+          <p:cNvPr id="5" name="Picture 4">
+            <a:extLst>
+              <a:ext uri="{FF2B5EF4-FFF2-40B4-BE49-F238E27FC236}">
+                <a16:creationId xmlns:a16="http://schemas.microsoft.com/office/drawing/2014/main" id="{749CB5E5-0423-4DD5-9D35-BD0B7BB2AB1F}"/>
               </a:ext>
             </a:extLst>
           </p:cNvPr>
           <p:cNvPicPr>
-            <a:picLocks noGrp="1" noChangeAspect="1"/>
+            <a:picLocks noChangeAspect="1"/>
           </p:cNvPicPr>
-          <p:nvPr>
-            <p:ph idx="1"/>
-          </p:nvPr>
+          <p:nvPr/>
         </p:nvPicPr>
         <p:blipFill>
-          <a:blip r:embed="rId2"/>
+          <a:blip r:embed="rId3">
+            <a:extLst>
+              <a:ext uri="{28A0092B-C50C-407E-A947-70E740481C1C}">
+                <a14:useLocalDpi xmlns:a14="http://schemas.microsoft.com/office/drawing/2010/main" val="0"/>
+              </a:ext>
+            </a:extLst>
+          </a:blip>
           <a:stretch>
             <a:fillRect/>
           </a:stretch>
         </p:blipFill>
         <p:spPr>
           <a:xfrm>
-            <a:off x="6588662" y="1759824"/>
-            <a:ext cx="1875793" cy="1568046"/>
+            <a:off x="5083838" y="2941459"/>
+            <a:ext cx="2024324" cy="809730"/>
           </a:xfrm>
           <a:prstGeom prst="rect">
             <a:avLst/>
           </a:prstGeom>
         </p:spPr>
       </p:pic>
-      <p:pic>
-        <p:nvPicPr>
-          <p:cNvPr id="7" name="Picture 6">
-            <a:extLst>
-              <a:ext uri="{FF2B5EF4-FFF2-40B4-BE49-F238E27FC236}">
-                <a16:creationId xmlns:a16="http://schemas.microsoft.com/office/drawing/2014/main" id="{50A3438A-A24E-4CD9-86E2-DAB3925EA04A}"/>
-              </a:ext>
-            </a:extLst>
-          </p:cNvPr>
-          <p:cNvPicPr>
-            <a:picLocks noChangeAspect="1"/>
-          </p:cNvPicPr>
-          <p:nvPr/>
-        </p:nvPicPr>
-        <p:blipFill>
-          <a:blip r:embed="rId3"/>
-          <a:stretch>
-            <a:fillRect/>
-          </a:stretch>
-        </p:blipFill>
+      <p:sp>
+        <p:nvSpPr>
+          <p:cNvPr id="2" name="Title 1">
+            <a:extLst>
+              <a:ext uri="{FF2B5EF4-FFF2-40B4-BE49-F238E27FC236}">
+                <a16:creationId xmlns:a16="http://schemas.microsoft.com/office/drawing/2014/main" id="{098EB305-D5AF-4CDE-8F84-7DB4398C3831}"/>
+              </a:ext>
+            </a:extLst>
+          </p:cNvPr>
+          <p:cNvSpPr>
+            <a:spLocks noGrp="1"/>
+          </p:cNvSpPr>
+          <p:nvPr>
+            <p:ph type="ctrTitle"/>
+          </p:nvPr>
+        </p:nvSpPr>
         <p:spPr>
           <a:xfrm>
-            <a:off x="6652925" y="4675182"/>
-            <a:ext cx="1747269" cy="1486266"/>
+            <a:off x="1524000" y="928467"/>
+            <a:ext cx="9144000" cy="1371674"/>
           </a:xfrm>
-          <a:prstGeom prst="rect">
-            <a:avLst/>
-          </a:prstGeom>
         </p:spPr>
-      </p:pic>
-      <p:pic>
-        <p:nvPicPr>
-          <p:cNvPr id="8" name="Picture 7">
-            <a:extLst>
-              <a:ext uri="{FF2B5EF4-FFF2-40B4-BE49-F238E27FC236}">
-                <a16:creationId xmlns:a16="http://schemas.microsoft.com/office/drawing/2014/main" id="{BE6AEC60-74BD-45B8-877D-3EEC387768BD}"/>
-              </a:ext>
-            </a:extLst>
-          </p:cNvPr>
-          <p:cNvPicPr>
-            <a:picLocks noChangeAspect="1"/>
-          </p:cNvPicPr>
-          <p:nvPr/>
-        </p:nvPicPr>
-        <p:blipFill>
-          <a:blip r:embed="rId4"/>
-          <a:stretch>
-            <a:fillRect/>
-          </a:stretch>
-        </p:blipFill>
+        <p:txBody>
+          <a:bodyPr/>
+          <a:lstStyle/>
+          <a:p>
+            <a:r>
+              <a:rPr lang="fr-FR" dirty="0">
+                <a:solidFill>
+                  <a:srgbClr val="FF0000"/>
+                </a:solidFill>
+              </a:rPr>
+              <a:t>CORRECTOR</a:t>
+            </a:r>
+          </a:p>
+        </p:txBody>
+      </p:sp>
+      <p:sp>
+        <p:nvSpPr>
+          <p:cNvPr id="3" name="Subtitle 2">
+            <a:extLst>
+              <a:ext uri="{FF2B5EF4-FFF2-40B4-BE49-F238E27FC236}">
+                <a16:creationId xmlns:a16="http://schemas.microsoft.com/office/drawing/2014/main" id="{B6F05377-FAFD-4DAF-B1A2-3AC2AA1406F7}"/>
+              </a:ext>
+            </a:extLst>
+          </p:cNvPr>
+          <p:cNvSpPr>
+            <a:spLocks noGrp="1"/>
+          </p:cNvSpPr>
+          <p:nvPr>
+            <p:ph type="subTitle" idx="1"/>
+          </p:nvPr>
+        </p:nvSpPr>
         <p:spPr>
           <a:xfrm>
-            <a:off x="10023057" y="3845447"/>
-            <a:ext cx="1016460" cy="697448"/>
+            <a:off x="1524000" y="5202238"/>
+            <a:ext cx="9144000" cy="1655762"/>
           </a:xfrm>
-          <a:prstGeom prst="rect">
-            <a:avLst/>
-          </a:prstGeom>
         </p:spPr>
-      </p:pic>
-      <p:pic>
-        <p:nvPicPr>
-          <p:cNvPr id="9" name="Picture 8">
-            <a:extLst>
-              <a:ext uri="{FF2B5EF4-FFF2-40B4-BE49-F238E27FC236}">
-                <a16:creationId xmlns:a16="http://schemas.microsoft.com/office/drawing/2014/main" id="{955F07BA-36A7-48FA-94CF-B9C87925C82A}"/>
-              </a:ext>
-            </a:extLst>
-          </p:cNvPr>
-          <p:cNvPicPr>
-            <a:picLocks noChangeAspect="1"/>
-          </p:cNvPicPr>
-          <p:nvPr/>
-        </p:nvPicPr>
-        <p:blipFill>
-          <a:blip r:embed="rId5"/>
-          <a:stretch>
-            <a:fillRect/>
-          </a:stretch>
-        </p:blipFill>
-        <p:spPr>
-          <a:xfrm>
-            <a:off x="3752077" y="5013164"/>
-            <a:ext cx="761729" cy="697448"/>
-          </a:xfrm>
-          <a:prstGeom prst="rect">
-            <a:avLst/>
-          </a:prstGeom>
-        </p:spPr>
-      </p:pic>
-      <p:sp>
-        <p:nvSpPr>
-          <p:cNvPr id="10" name="Arrow: Down 9">
-            <a:extLst>
-              <a:ext uri="{FF2B5EF4-FFF2-40B4-BE49-F238E27FC236}">
-                <a16:creationId xmlns:a16="http://schemas.microsoft.com/office/drawing/2014/main" id="{C22D1135-9F3F-4E68-9F80-4FAD8B8104C8}"/>
-              </a:ext>
-            </a:extLst>
-          </p:cNvPr>
-          <p:cNvSpPr/>
-          <p:nvPr/>
-        </p:nvSpPr>
-        <p:spPr>
-          <a:xfrm rot="16200000">
-            <a:off x="5267590" y="4941844"/>
-            <a:ext cx="631551" cy="1175102"/>
-          </a:xfrm>
-          <a:prstGeom prst="downArrow">
-            <a:avLst/>
-          </a:prstGeom>
-        </p:spPr>
-        <p:style>
-          <a:lnRef idx="2">
-            <a:schemeClr val="accent1">
-              <a:shade val="50000"/>
-            </a:schemeClr>
-          </a:lnRef>
-          <a:fillRef idx="1">
-            <a:schemeClr val="accent1"/>
-          </a:fillRef>
-          <a:effectRef idx="0">
-            <a:schemeClr val="accent1"/>
-          </a:effectRef>
-          <a:fontRef idx="minor">
-            <a:schemeClr val="lt1"/>
-          </a:fontRef>
-        </p:style>
-        <p:txBody>
-          <a:bodyPr rtlCol="0" anchor="ctr"/>
-          <a:lstStyle/>
-          <a:p>
-            <a:pPr algn="ctr"/>
-            <a:endParaRPr lang="fr-FR"/>
-          </a:p>
-        </p:txBody>
-      </p:sp>
-      <p:sp>
-        <p:nvSpPr>
-          <p:cNvPr id="12" name="Arrow: Up-Down 11">
-            <a:extLst>
-              <a:ext uri="{FF2B5EF4-FFF2-40B4-BE49-F238E27FC236}">
-                <a16:creationId xmlns:a16="http://schemas.microsoft.com/office/drawing/2014/main" id="{EA1C6480-C025-4B38-AB18-3BD888E8BCBD}"/>
-              </a:ext>
-            </a:extLst>
-          </p:cNvPr>
-          <p:cNvSpPr/>
-          <p:nvPr/>
-        </p:nvSpPr>
-        <p:spPr>
-          <a:xfrm>
-            <a:off x="7245617" y="3447680"/>
-            <a:ext cx="604911" cy="926788"/>
-          </a:xfrm>
-          <a:prstGeom prst="upDownArrow">
-            <a:avLst/>
-          </a:prstGeom>
-        </p:spPr>
-        <p:style>
-          <a:lnRef idx="2">
-            <a:schemeClr val="accent1">
-              <a:shade val="50000"/>
-            </a:schemeClr>
-          </a:lnRef>
-          <a:fillRef idx="1">
-            <a:schemeClr val="accent1"/>
-          </a:fillRef>
-          <a:effectRef idx="0">
-            <a:schemeClr val="accent1"/>
-          </a:effectRef>
-          <a:fontRef idx="minor">
-            <a:schemeClr val="lt1"/>
-          </a:fontRef>
-        </p:style>
-        <p:txBody>
-          <a:bodyPr rtlCol="0" anchor="ctr"/>
-          <a:lstStyle/>
-          <a:p>
-            <a:pPr algn="ctr"/>
-            <a:endParaRPr lang="fr-FR"/>
-          </a:p>
-        </p:txBody>
-      </p:sp>
-      <p:sp>
-        <p:nvSpPr>
-          <p:cNvPr id="13" name="Arrow: Right 12">
-            <a:extLst>
-              <a:ext uri="{FF2B5EF4-FFF2-40B4-BE49-F238E27FC236}">
-                <a16:creationId xmlns:a16="http://schemas.microsoft.com/office/drawing/2014/main" id="{B827C765-99DF-4224-9D2A-D454F7AA7D28}"/>
-              </a:ext>
-            </a:extLst>
-          </p:cNvPr>
-          <p:cNvSpPr/>
-          <p:nvPr/>
-        </p:nvSpPr>
-        <p:spPr>
-          <a:xfrm rot="13153555">
-            <a:off x="8568803" y="2758436"/>
-            <a:ext cx="1083212" cy="645401"/>
-          </a:xfrm>
-          <a:prstGeom prst="rightArrow">
-            <a:avLst/>
-          </a:prstGeom>
-        </p:spPr>
-        <p:style>
-          <a:lnRef idx="2">
-            <a:schemeClr val="accent1">
-              <a:shade val="50000"/>
-            </a:schemeClr>
-          </a:lnRef>
-          <a:fillRef idx="1">
-            <a:schemeClr val="accent1"/>
-          </a:fillRef>
-          <a:effectRef idx="0">
-            <a:schemeClr val="accent1"/>
-          </a:effectRef>
-          <a:fontRef idx="minor">
-            <a:schemeClr val="lt1"/>
-          </a:fontRef>
-        </p:style>
-        <p:txBody>
-          <a:bodyPr rtlCol="0" anchor="ctr"/>
-          <a:lstStyle/>
-          <a:p>
-            <a:pPr algn="ctr"/>
-            <a:endParaRPr lang="fr-FR"/>
-          </a:p>
-        </p:txBody>
-      </p:sp>
-      <p:sp>
-        <p:nvSpPr>
-          <p:cNvPr id="14" name="Arrow: Down 13">
-            <a:extLst>
-              <a:ext uri="{FF2B5EF4-FFF2-40B4-BE49-F238E27FC236}">
-                <a16:creationId xmlns:a16="http://schemas.microsoft.com/office/drawing/2014/main" id="{1971E3EE-7DC3-491F-9B5B-D2677C3BE5F9}"/>
-              </a:ext>
-            </a:extLst>
-          </p:cNvPr>
-          <p:cNvSpPr/>
-          <p:nvPr/>
-        </p:nvSpPr>
-        <p:spPr>
-          <a:xfrm rot="14567114">
-            <a:off x="8967637" y="4385426"/>
-            <a:ext cx="631551" cy="1175102"/>
-          </a:xfrm>
-          <a:prstGeom prst="downArrow">
-            <a:avLst/>
-          </a:prstGeom>
-        </p:spPr>
-        <p:style>
-          <a:lnRef idx="2">
-            <a:schemeClr val="accent1">
-              <a:shade val="50000"/>
-            </a:schemeClr>
-          </a:lnRef>
-          <a:fillRef idx="1">
-            <a:schemeClr val="accent1"/>
-          </a:fillRef>
-          <a:effectRef idx="0">
-            <a:schemeClr val="accent1"/>
-          </a:effectRef>
-          <a:fontRef idx="minor">
-            <a:schemeClr val="lt1"/>
-          </a:fontRef>
-        </p:style>
-        <p:txBody>
-          <a:bodyPr rtlCol="0" anchor="ctr"/>
-          <a:lstStyle/>
-          <a:p>
-            <a:pPr algn="ctr"/>
-            <a:endParaRPr lang="fr-FR"/>
-          </a:p>
-        </p:txBody>
-      </p:sp>
-      <p:sp>
-        <p:nvSpPr>
-          <p:cNvPr id="16" name="Content Placeholder 2">
-            <a:extLst>
-              <a:ext uri="{FF2B5EF4-FFF2-40B4-BE49-F238E27FC236}">
-                <a16:creationId xmlns:a16="http://schemas.microsoft.com/office/drawing/2014/main" id="{569DBF55-D54D-46FF-A3CE-C841C1440EF2}"/>
-              </a:ext>
-            </a:extLst>
-          </p:cNvPr>
-          <p:cNvSpPr txBox="1">
-            <a:spLocks/>
-          </p:cNvSpPr>
-          <p:nvPr/>
-        </p:nvSpPr>
-        <p:spPr>
-          <a:xfrm>
-            <a:off x="838200" y="1920998"/>
-            <a:ext cx="10515600" cy="4351338"/>
-          </a:xfrm>
-          <a:prstGeom prst="rect">
-            <a:avLst/>
-          </a:prstGeom>
-        </p:spPr>
-        <p:txBody>
-          <a:bodyPr vert="horz" lIns="91440" tIns="45720" rIns="91440" bIns="45720" rtlCol="0">
-            <a:normAutofit/>
-          </a:bodyPr>
-          <a:lstStyle>
-            <a:lvl1pPr marL="228600" indent="-228600" algn="l" defTabSz="914400" rtl="0" eaLnBrk="1" latinLnBrk="0" hangingPunct="1">
-              <a:lnSpc>
-                <a:spcPct val="90000"/>
-              </a:lnSpc>
-              <a:spcBef>
-                <a:spcPts val="1000"/>
-              </a:spcBef>
-              <a:buFont typeface="Arial" panose="020B0604020202020204" pitchFamily="34" charset="0"/>
-              <a:buChar char="•"/>
-              <a:defRPr sz="2800" kern="1200">
-                <a:solidFill>
-                  <a:schemeClr val="tx1"/>
-                </a:solidFill>
-                <a:latin typeface="+mn-lt"/>
-                <a:ea typeface="+mn-ea"/>
-                <a:cs typeface="+mn-cs"/>
-              </a:defRPr>
-            </a:lvl1pPr>
-            <a:lvl2pPr marL="685800" indent="-228600" algn="l" defTabSz="914400" rtl="0" eaLnBrk="1" latinLnBrk="0" hangingPunct="1">
-              <a:lnSpc>
-                <a:spcPct val="90000"/>
-              </a:lnSpc>
-              <a:spcBef>
-                <a:spcPts val="500"/>
-              </a:spcBef>
-              <a:buFont typeface="Arial" panose="020B0604020202020204" pitchFamily="34" charset="0"/>
-              <a:buChar char="•"/>
-              <a:defRPr sz="2400" kern="1200">
-                <a:solidFill>
-                  <a:schemeClr val="tx1"/>
-                </a:solidFill>
-                <a:latin typeface="+mn-lt"/>
-                <a:ea typeface="+mn-ea"/>
-                <a:cs typeface="+mn-cs"/>
-              </a:defRPr>
-            </a:lvl2pPr>
-            <a:lvl3pPr marL="1143000" indent="-228600" algn="l" defTabSz="914400" rtl="0" eaLnBrk="1" latinLnBrk="0" hangingPunct="1">
-              <a:lnSpc>
-                <a:spcPct val="90000"/>
-              </a:lnSpc>
-              <a:spcBef>
-                <a:spcPts val="500"/>
-              </a:spcBef>
-              <a:buFont typeface="Arial" panose="020B0604020202020204" pitchFamily="34" charset="0"/>
-              <a:buChar char="•"/>
-              <a:defRPr sz="2000" kern="1200">
-                <a:solidFill>
-                  <a:schemeClr val="tx1"/>
-                </a:solidFill>
-                <a:latin typeface="+mn-lt"/>
-                <a:ea typeface="+mn-ea"/>
-                <a:cs typeface="+mn-cs"/>
-              </a:defRPr>
-            </a:lvl3pPr>
-            <a:lvl4pPr marL="1600200" indent="-228600" algn="l" defTabSz="914400" rtl="0" eaLnBrk="1" latinLnBrk="0" hangingPunct="1">
-              <a:lnSpc>
-                <a:spcPct val="90000"/>
-              </a:lnSpc>
-              <a:spcBef>
-                <a:spcPts val="500"/>
-              </a:spcBef>
-              <a:buFont typeface="Arial" panose="020B0604020202020204" pitchFamily="34" charset="0"/>
-              <a:buChar char="•"/>
-              <a:defRPr sz="1800" kern="1200">
-                <a:solidFill>
-                  <a:schemeClr val="tx1"/>
-                </a:solidFill>
-                <a:latin typeface="+mn-lt"/>
-                <a:ea typeface="+mn-ea"/>
-                <a:cs typeface="+mn-cs"/>
-              </a:defRPr>
-            </a:lvl4pPr>
-            <a:lvl5pPr marL="2057400" indent="-228600" algn="l" defTabSz="914400" rtl="0" eaLnBrk="1" latinLnBrk="0" hangingPunct="1">
-              <a:lnSpc>
-                <a:spcPct val="90000"/>
-              </a:lnSpc>
-              <a:spcBef>
-                <a:spcPts val="500"/>
-              </a:spcBef>
-              <a:buFont typeface="Arial" panose="020B0604020202020204" pitchFamily="34" charset="0"/>
-              <a:buChar char="•"/>
-              <a:defRPr sz="1800" kern="1200">
-                <a:solidFill>
-                  <a:schemeClr val="tx1"/>
-                </a:solidFill>
-                <a:latin typeface="+mn-lt"/>
-                <a:ea typeface="+mn-ea"/>
-                <a:cs typeface="+mn-cs"/>
-              </a:defRPr>
-            </a:lvl5pPr>
-            <a:lvl6pPr marL="2514600" indent="-228600" algn="l" defTabSz="914400" rtl="0" eaLnBrk="1" latinLnBrk="0" hangingPunct="1">
-              <a:lnSpc>
-                <a:spcPct val="90000"/>
-              </a:lnSpc>
-              <a:spcBef>
-                <a:spcPts val="500"/>
-              </a:spcBef>
-              <a:buFont typeface="Arial" panose="020B0604020202020204" pitchFamily="34" charset="0"/>
-              <a:buChar char="•"/>
-              <a:defRPr sz="1800" kern="1200">
-                <a:solidFill>
-                  <a:schemeClr val="tx1"/>
-                </a:solidFill>
-                <a:latin typeface="+mn-lt"/>
-                <a:ea typeface="+mn-ea"/>
-                <a:cs typeface="+mn-cs"/>
-              </a:defRPr>
-            </a:lvl6pPr>
-            <a:lvl7pPr marL="2971800" indent="-228600" algn="l" defTabSz="914400" rtl="0" eaLnBrk="1" latinLnBrk="0" hangingPunct="1">
-              <a:lnSpc>
-                <a:spcPct val="90000"/>
-              </a:lnSpc>
-              <a:spcBef>
-                <a:spcPts val="500"/>
-              </a:spcBef>
-              <a:buFont typeface="Arial" panose="020B0604020202020204" pitchFamily="34" charset="0"/>
-              <a:buChar char="•"/>
-              <a:defRPr sz="1800" kern="1200">
-                <a:solidFill>
-                  <a:schemeClr val="tx1"/>
-                </a:solidFill>
-                <a:latin typeface="+mn-lt"/>
-                <a:ea typeface="+mn-ea"/>
-                <a:cs typeface="+mn-cs"/>
-              </a:defRPr>
-            </a:lvl7pPr>
-            <a:lvl8pPr marL="3429000" indent="-228600" algn="l" defTabSz="914400" rtl="0" eaLnBrk="1" latinLnBrk="0" hangingPunct="1">
-              <a:lnSpc>
-                <a:spcPct val="90000"/>
-              </a:lnSpc>
-              <a:spcBef>
-                <a:spcPts val="500"/>
-              </a:spcBef>
-              <a:buFont typeface="Arial" panose="020B0604020202020204" pitchFamily="34" charset="0"/>
-              <a:buChar char="•"/>
-              <a:defRPr sz="1800" kern="1200">
-                <a:solidFill>
-                  <a:schemeClr val="tx1"/>
-                </a:solidFill>
-                <a:latin typeface="+mn-lt"/>
-                <a:ea typeface="+mn-ea"/>
-                <a:cs typeface="+mn-cs"/>
-              </a:defRPr>
-            </a:lvl8pPr>
-            <a:lvl9pPr marL="3886200" indent="-228600" algn="l" defTabSz="914400" rtl="0" eaLnBrk="1" latinLnBrk="0" hangingPunct="1">
-              <a:lnSpc>
-                <a:spcPct val="90000"/>
-              </a:lnSpc>
-              <a:spcBef>
-                <a:spcPts val="500"/>
-              </a:spcBef>
-              <a:buFont typeface="Arial" panose="020B0604020202020204" pitchFamily="34" charset="0"/>
-              <a:buChar char="•"/>
-              <a:defRPr sz="1800" kern="1200">
-                <a:solidFill>
-                  <a:schemeClr val="tx1"/>
-                </a:solidFill>
-                <a:latin typeface="+mn-lt"/>
-                <a:ea typeface="+mn-ea"/>
-                <a:cs typeface="+mn-cs"/>
-              </a:defRPr>
-            </a:lvl9pPr>
-          </a:lstStyle>
-          <a:p>
+        <p:txBody>
+          <a:bodyPr/>
+          <a:lstStyle/>
+          <a:p>
+            <a:r>
+              <a:rPr lang="en-US" dirty="0"/>
+              <a:t>Interface web et base de </a:t>
+            </a:r>
             <a:r>
               <a:rPr lang="fr-FR" dirty="0"/>
-              <a:t>Un moteur d'inférences</a:t>
-            </a:r>
-          </a:p>
-          <a:p>
-            <a:r>
-              <a:rPr lang="fr-FR" dirty="0"/>
-              <a:t>Acquisition semi-automatique </a:t>
-            </a:r>
-            <a:br>
-              <a:rPr lang="fr-FR" dirty="0"/>
-            </a:br>
-            <a:r>
-              <a:rPr lang="fr-FR" dirty="0"/>
-              <a:t>de cas</a:t>
-            </a:r>
-          </a:p>
-          <a:p>
-            <a:r>
-              <a:rPr lang="fr-FR" dirty="0"/>
-              <a:t>Une infrastructure Web</a:t>
-            </a:r>
-            <a:endParaRPr lang="en-US" dirty="0"/>
-          </a:p>
-          <a:p>
-            <a:endParaRPr lang="fr-FR" dirty="0"/>
+              <a:t>données</a:t>
+            </a:r>
           </a:p>
         </p:txBody>
       </p:sp>
@@ -6617,7 +6335,7 @@
           <p:cNvPr id="4" name="Slide Number Placeholder 3">
             <a:extLst>
               <a:ext uri="{FF2B5EF4-FFF2-40B4-BE49-F238E27FC236}">
-                <a16:creationId xmlns:a16="http://schemas.microsoft.com/office/drawing/2014/main" id="{7CF22DC9-CC48-49C4-AADC-B13EA1F33D3C}"/>
+                <a16:creationId xmlns:a16="http://schemas.microsoft.com/office/drawing/2014/main" id="{1D55AE59-006A-4470-B4E4-F43C731365BA}"/>
               </a:ext>
             </a:extLst>
           </p:cNvPr>
@@ -6644,7 +6362,7 @@
     </p:spTree>
     <p:extLst>
       <p:ext uri="{BB962C8B-B14F-4D97-AF65-F5344CB8AC3E}">
-        <p14:creationId xmlns:p14="http://schemas.microsoft.com/office/powerpoint/2010/main" val="3323050231"/>
+        <p14:creationId xmlns:p14="http://schemas.microsoft.com/office/powerpoint/2010/main" val="1137366925"/>
       </p:ext>
     </p:extLst>
   </p:cSld>
@@ -6671,12 +6389,134 @@
           <a:chExt cx="0" cy="0"/>
         </a:xfrm>
       </p:grpSpPr>
+      <p:sp>
+        <p:nvSpPr>
+          <p:cNvPr id="2" name="Title 1">
+            <a:extLst>
+              <a:ext uri="{FF2B5EF4-FFF2-40B4-BE49-F238E27FC236}">
+                <a16:creationId xmlns:a16="http://schemas.microsoft.com/office/drawing/2014/main" id="{ECDCC142-4404-43ED-872E-DB617DED987F}"/>
+              </a:ext>
+            </a:extLst>
+          </p:cNvPr>
+          <p:cNvSpPr>
+            <a:spLocks noGrp="1"/>
+          </p:cNvSpPr>
+          <p:nvPr>
+            <p:ph type="title"/>
+          </p:nvPr>
+        </p:nvSpPr>
+        <p:spPr/>
+        <p:txBody>
+          <a:bodyPr/>
+          <a:lstStyle/>
+          <a:p>
+            <a:pPr algn="ctr"/>
+            <a:r>
+              <a:rPr lang="en-US" dirty="0">
+                <a:solidFill>
+                  <a:srgbClr val="FF0000"/>
+                </a:solidFill>
+              </a:rPr>
+              <a:t>BASE DE </a:t>
+            </a:r>
+            <a:r>
+              <a:rPr lang="fr-FR" dirty="0">
+                <a:solidFill>
+                  <a:srgbClr val="FF0000"/>
+                </a:solidFill>
+              </a:rPr>
+              <a:t>DONNÉES</a:t>
+            </a:r>
+          </a:p>
+        </p:txBody>
+      </p:sp>
+      <p:sp>
+        <p:nvSpPr>
+          <p:cNvPr id="4" name="Content Placeholder 3">
+            <a:extLst>
+              <a:ext uri="{FF2B5EF4-FFF2-40B4-BE49-F238E27FC236}">
+                <a16:creationId xmlns:a16="http://schemas.microsoft.com/office/drawing/2014/main" id="{41DAD51D-735E-4832-8669-CD472C542697}"/>
+              </a:ext>
+            </a:extLst>
+          </p:cNvPr>
+          <p:cNvSpPr>
+            <a:spLocks noGrp="1"/>
+          </p:cNvSpPr>
+          <p:nvPr>
+            <p:ph idx="1"/>
+          </p:nvPr>
+        </p:nvSpPr>
+        <p:spPr>
+          <a:xfrm>
+            <a:off x="838200" y="1825625"/>
+            <a:ext cx="4873283" cy="4351338"/>
+          </a:xfrm>
+        </p:spPr>
+        <p:txBody>
+          <a:bodyPr/>
+          <a:lstStyle/>
+          <a:p>
+            <a:r>
+              <a:rPr lang="en-US" dirty="0" err="1"/>
+              <a:t>mySQL</a:t>
+            </a:r>
+            <a:endParaRPr lang="en-US" dirty="0"/>
+          </a:p>
+          <a:p>
+            <a:r>
+              <a:rPr lang="fr-FR" dirty="0"/>
+              <a:t>Alimenter</a:t>
+            </a:r>
+            <a:r>
+              <a:rPr lang="en-US" dirty="0"/>
+              <a:t>:</a:t>
+            </a:r>
+          </a:p>
+          <a:p>
+            <a:pPr lvl="1"/>
+            <a:r>
+              <a:rPr lang="en-US" sz="2800" dirty="0"/>
+              <a:t>Cas minimal(file.csv)</a:t>
+            </a:r>
+          </a:p>
+          <a:p>
+            <a:pPr lvl="1"/>
+            <a:r>
+              <a:rPr lang="fr-FR" sz="2800" dirty="0"/>
+              <a:t>Acquisition semi-automatique de cas(Cf. Mr LEVY)</a:t>
+            </a:r>
+          </a:p>
+          <a:p>
+            <a:pPr lvl="1"/>
+            <a:r>
+              <a:rPr lang="fr-FR" sz="2800" dirty="0"/>
+              <a:t>Utilisateur</a:t>
+            </a:r>
+            <a:endParaRPr lang="en-US" sz="2800" dirty="0"/>
+          </a:p>
+          <a:p>
+            <a:endParaRPr lang="en-US" dirty="0"/>
+          </a:p>
+          <a:p>
+            <a:endParaRPr lang="en-US" dirty="0"/>
+          </a:p>
+          <a:p>
+            <a:endParaRPr lang="en-US" dirty="0"/>
+          </a:p>
+          <a:p>
+            <a:pPr marL="457200" lvl="1" indent="0">
+              <a:buNone/>
+            </a:pPr>
+            <a:endParaRPr lang="fr-FR" dirty="0"/>
+          </a:p>
+        </p:txBody>
+      </p:sp>
       <p:pic>
         <p:nvPicPr>
           <p:cNvPr id="5" name="Picture 4">
             <a:extLst>
               <a:ext uri="{FF2B5EF4-FFF2-40B4-BE49-F238E27FC236}">
-                <a16:creationId xmlns:a16="http://schemas.microsoft.com/office/drawing/2014/main" id="{749CB5E5-0423-4DD5-9D35-BD0B7BB2AB1F}"/>
+                <a16:creationId xmlns:a16="http://schemas.microsoft.com/office/drawing/2014/main" id="{7C1C9183-6600-4F85-A6F2-54FF23657129}"/>
               </a:ext>
             </a:extLst>
           </p:cNvPr>
@@ -6686,7 +6526,7 @@
           <p:nvPr/>
         </p:nvPicPr>
         <p:blipFill>
-          <a:blip r:embed="rId3">
+          <a:blip r:embed="rId2">
             <a:extLst>
               <a:ext uri="{28A0092B-C50C-407E-A947-70E740481C1C}">
                 <a14:useLocalDpi xmlns:a14="http://schemas.microsoft.com/office/drawing/2010/main" val="0"/>
@@ -6699,8 +6539,8 @@
         </p:blipFill>
         <p:spPr>
           <a:xfrm>
-            <a:off x="5083838" y="2941459"/>
-            <a:ext cx="2024324" cy="809730"/>
+            <a:off x="5794755" y="1825625"/>
+            <a:ext cx="5631690" cy="2602523"/>
           </a:xfrm>
           <a:prstGeom prst="rect">
             <a:avLst/>
@@ -6709,84 +6549,10 @@
       </p:pic>
       <p:sp>
         <p:nvSpPr>
-          <p:cNvPr id="2" name="Title 1">
-            <a:extLst>
-              <a:ext uri="{FF2B5EF4-FFF2-40B4-BE49-F238E27FC236}">
-                <a16:creationId xmlns:a16="http://schemas.microsoft.com/office/drawing/2014/main" id="{098EB305-D5AF-4CDE-8F84-7DB4398C3831}"/>
-              </a:ext>
-            </a:extLst>
-          </p:cNvPr>
-          <p:cNvSpPr>
-            <a:spLocks noGrp="1"/>
-          </p:cNvSpPr>
-          <p:nvPr>
-            <p:ph type="ctrTitle"/>
-          </p:nvPr>
-        </p:nvSpPr>
-        <p:spPr>
-          <a:xfrm>
-            <a:off x="1524000" y="928467"/>
-            <a:ext cx="9144000" cy="1371674"/>
-          </a:xfrm>
-        </p:spPr>
-        <p:txBody>
-          <a:bodyPr/>
-          <a:lstStyle/>
-          <a:p>
-            <a:r>
-              <a:rPr lang="fr-FR" dirty="0">
-                <a:solidFill>
-                  <a:srgbClr val="FF0000"/>
-                </a:solidFill>
-              </a:rPr>
-              <a:t>CORRECTOR</a:t>
-            </a:r>
-          </a:p>
-        </p:txBody>
-      </p:sp>
-      <p:sp>
-        <p:nvSpPr>
-          <p:cNvPr id="3" name="Subtitle 2">
-            <a:extLst>
-              <a:ext uri="{FF2B5EF4-FFF2-40B4-BE49-F238E27FC236}">
-                <a16:creationId xmlns:a16="http://schemas.microsoft.com/office/drawing/2014/main" id="{B6F05377-FAFD-4DAF-B1A2-3AC2AA1406F7}"/>
-              </a:ext>
-            </a:extLst>
-          </p:cNvPr>
-          <p:cNvSpPr>
-            <a:spLocks noGrp="1"/>
-          </p:cNvSpPr>
-          <p:nvPr>
-            <p:ph type="subTitle" idx="1"/>
-          </p:nvPr>
-        </p:nvSpPr>
-        <p:spPr>
-          <a:xfrm>
-            <a:off x="1524000" y="5202238"/>
-            <a:ext cx="9144000" cy="1655762"/>
-          </a:xfrm>
-        </p:spPr>
-        <p:txBody>
-          <a:bodyPr/>
-          <a:lstStyle/>
-          <a:p>
-            <a:r>
-              <a:rPr lang="en-US" dirty="0"/>
-              <a:t>Interface web et base de </a:t>
-            </a:r>
-            <a:r>
-              <a:rPr lang="fr-FR" dirty="0"/>
-              <a:t>données</a:t>
-            </a:r>
-          </a:p>
-        </p:txBody>
-      </p:sp>
-      <p:sp>
-        <p:nvSpPr>
-          <p:cNvPr id="4" name="Slide Number Placeholder 3">
-            <a:extLst>
-              <a:ext uri="{FF2B5EF4-FFF2-40B4-BE49-F238E27FC236}">
-                <a16:creationId xmlns:a16="http://schemas.microsoft.com/office/drawing/2014/main" id="{1D55AE59-006A-4470-B4E4-F43C731365BA}"/>
+          <p:cNvPr id="3" name="Slide Number Placeholder 2">
+            <a:extLst>
+              <a:ext uri="{FF2B5EF4-FFF2-40B4-BE49-F238E27FC236}">
+                <a16:creationId xmlns:a16="http://schemas.microsoft.com/office/drawing/2014/main" id="{4E4E627C-8ADB-491E-9E95-91B631918341}"/>
               </a:ext>
             </a:extLst>
           </p:cNvPr>
@@ -6813,7 +6579,7 @@
     </p:spTree>
     <p:extLst>
       <p:ext uri="{BB962C8B-B14F-4D97-AF65-F5344CB8AC3E}">
-        <p14:creationId xmlns:p14="http://schemas.microsoft.com/office/powerpoint/2010/main" val="1137366925"/>
+        <p14:creationId xmlns:p14="http://schemas.microsoft.com/office/powerpoint/2010/main" val="3659057012"/>
       </p:ext>
     </p:extLst>
   </p:cSld>
@@ -6845,7 +6611,7 @@
           <p:cNvPr id="2" name="Title 1">
             <a:extLst>
               <a:ext uri="{FF2B5EF4-FFF2-40B4-BE49-F238E27FC236}">
-                <a16:creationId xmlns:a16="http://schemas.microsoft.com/office/drawing/2014/main" id="{ECDCC142-4404-43ED-872E-DB617DED987F}"/>
+                <a16:creationId xmlns:a16="http://schemas.microsoft.com/office/drawing/2014/main" id="{A176E8B9-32B7-46B0-AF71-1CBE7A2FB291}"/>
               </a:ext>
             </a:extLst>
           </p:cNvPr>
@@ -6868,39 +6634,36 @@
                   <a:srgbClr val="FF0000"/>
                 </a:solidFill>
               </a:rPr>
-              <a:t>BASE DE </a:t>
-            </a:r>
-            <a:r>
-              <a:rPr lang="fr-FR" dirty="0">
-                <a:solidFill>
-                  <a:srgbClr val="FF0000"/>
-                </a:solidFill>
-              </a:rPr>
-              <a:t>DONNÉES</a:t>
-            </a:r>
-          </a:p>
-        </p:txBody>
-      </p:sp>
-      <p:sp>
-        <p:nvSpPr>
-          <p:cNvPr id="4" name="Content Placeholder 3">
-            <a:extLst>
-              <a:ext uri="{FF2B5EF4-FFF2-40B4-BE49-F238E27FC236}">
-                <a16:creationId xmlns:a16="http://schemas.microsoft.com/office/drawing/2014/main" id="{41DAD51D-735E-4832-8669-CD472C542697}"/>
-              </a:ext>
-            </a:extLst>
-          </p:cNvPr>
-          <p:cNvSpPr>
-            <a:spLocks noGrp="1"/>
-          </p:cNvSpPr>
-          <p:nvPr>
-            <p:ph idx="1"/>
+              <a:t>CASES</a:t>
+            </a:r>
+            <a:endParaRPr lang="fr-FR" dirty="0">
+              <a:solidFill>
+                <a:srgbClr val="FF0000"/>
+              </a:solidFill>
+            </a:endParaRPr>
+          </a:p>
+        </p:txBody>
+      </p:sp>
+      <p:sp>
+        <p:nvSpPr>
+          <p:cNvPr id="5" name="Content Placeholder 4">
+            <a:extLst>
+              <a:ext uri="{FF2B5EF4-FFF2-40B4-BE49-F238E27FC236}">
+                <a16:creationId xmlns:a16="http://schemas.microsoft.com/office/drawing/2014/main" id="{3D8D1B16-F9D6-4AC7-8562-580BAD1C7405}"/>
+              </a:ext>
+            </a:extLst>
+          </p:cNvPr>
+          <p:cNvSpPr>
+            <a:spLocks noGrp="1"/>
+          </p:cNvSpPr>
+          <p:nvPr>
+            <p:ph sz="half" idx="2"/>
           </p:nvPr>
         </p:nvSpPr>
         <p:spPr>
           <a:xfrm>
-            <a:off x="838200" y="1825625"/>
-            <a:ext cx="4873283" cy="4351338"/>
+            <a:off x="914399" y="1471851"/>
+            <a:ext cx="5711483" cy="4351338"/>
           </a:xfrm>
         </p:spPr>
         <p:txBody>
@@ -6908,66 +6671,65 @@
           <a:lstStyle/>
           <a:p>
             <a:r>
+              <a:rPr lang="en-US" dirty="0"/>
+              <a:t>Relation </a:t>
+            </a:r>
+            <a:r>
               <a:rPr lang="en-US" dirty="0" err="1"/>
-              <a:t>mySQL</a:t>
+              <a:t>principale</a:t>
             </a:r>
             <a:endParaRPr lang="en-US" dirty="0"/>
           </a:p>
           <a:p>
             <a:r>
+              <a:rPr lang="en-US" dirty="0"/>
+              <a:t>Status: Correct, Incorrect, </a:t>
+            </a:r>
+            <a:r>
+              <a:rPr lang="en-US" dirty="0" err="1"/>
+              <a:t>En</a:t>
+            </a:r>
+            <a:r>
+              <a:rPr lang="en-US" dirty="0"/>
+              <a:t> </a:t>
+            </a:r>
+            <a:r>
               <a:rPr lang="fr-FR" dirty="0"/>
-              <a:t>Approvisionner</a:t>
-            </a:r>
+              <a:t>attente</a:t>
+            </a:r>
+            <a:endParaRPr lang="en-US" dirty="0"/>
+          </a:p>
+          <a:p>
             <a:r>
               <a:rPr lang="en-US" dirty="0"/>
-              <a:t>:</a:t>
-            </a:r>
-          </a:p>
-          <a:p>
-            <a:pPr lvl="1"/>
+              <a:t> </a:t>
+            </a:r>
+            <a:r>
+              <a:rPr lang="fr-FR" dirty="0"/>
+              <a:t>Français</a:t>
+            </a:r>
             <a:r>
               <a:rPr lang="en-US" dirty="0"/>
-              <a:t>Cas minimal(file.csv)</a:t>
-            </a:r>
-          </a:p>
-          <a:p>
-            <a:pPr lvl="1"/>
+              <a:t> et </a:t>
+            </a:r>
             <a:r>
               <a:rPr lang="fr-FR" dirty="0"/>
-              <a:t>Acquisition semi-automatique de cas(Cf. Mr LEVY)</a:t>
-            </a:r>
-          </a:p>
-          <a:p>
-            <a:pPr lvl="1"/>
-            <a:r>
-              <a:rPr lang="fr-FR" dirty="0"/>
-              <a:t>Utilisateur</a:t>
-            </a:r>
-            <a:endParaRPr lang="en-US" dirty="0"/>
-          </a:p>
-          <a:p>
-            <a:endParaRPr lang="en-US" dirty="0"/>
-          </a:p>
-          <a:p>
-            <a:endParaRPr lang="en-US" dirty="0"/>
-          </a:p>
-          <a:p>
-            <a:endParaRPr lang="en-US" dirty="0"/>
-          </a:p>
-          <a:p>
-            <a:pPr marL="457200" lvl="1" indent="0">
-              <a:buNone/>
-            </a:pPr>
+              <a:t>Anglais</a:t>
+            </a:r>
+            <a:r>
+              <a:rPr lang="en-US" dirty="0"/>
+              <a:t>.</a:t>
+            </a:r>
             <a:endParaRPr lang="fr-FR" dirty="0"/>
           </a:p>
         </p:txBody>
       </p:sp>
       <p:pic>
         <p:nvPicPr>
-          <p:cNvPr id="5" name="Picture 4">
-            <a:extLst>
-              <a:ext uri="{FF2B5EF4-FFF2-40B4-BE49-F238E27FC236}">
-                <a16:creationId xmlns:a16="http://schemas.microsoft.com/office/drawing/2014/main" id="{7C1C9183-6600-4F85-A6F2-54FF23657129}"/>
+          <p:cNvPr id="3" name="Picture 2">
+            <a:extLst>
+              <a:ext uri="{FF2B5EF4-FFF2-40B4-BE49-F238E27FC236}">
+                <a16:creationId xmlns:a16="http://schemas.microsoft.com/office/drawing/2014/main" id="{E49E44FC-564F-4128-8437-BB21B750E0E3}"/>
               </a:ext>
             </a:extLst>
           </p:cNvPr>
@@ -6977,33 +6739,57 @@
           <p:nvPr/>
         </p:nvPicPr>
         <p:blipFill>
-          <a:blip r:embed="rId2">
-            <a:extLst>
-              <a:ext uri="{28A0092B-C50C-407E-A947-70E740481C1C}">
-                <a14:useLocalDpi xmlns:a14="http://schemas.microsoft.com/office/drawing/2010/main" val="0"/>
-              </a:ext>
-            </a:extLst>
-          </a:blip>
+          <a:blip r:embed="rId2"/>
           <a:stretch>
             <a:fillRect/>
           </a:stretch>
         </p:blipFill>
         <p:spPr>
           <a:xfrm>
-            <a:off x="6568291" y="2318312"/>
-            <a:ext cx="4785509" cy="2211485"/>
+            <a:off x="838200" y="5233399"/>
+            <a:ext cx="10515600" cy="374989"/>
           </a:xfrm>
           <a:prstGeom prst="rect">
             <a:avLst/>
           </a:prstGeom>
         </p:spPr>
       </p:pic>
-      <p:sp>
-        <p:nvSpPr>
-          <p:cNvPr id="3" name="Slide Number Placeholder 2">
-            <a:extLst>
-              <a:ext uri="{FF2B5EF4-FFF2-40B4-BE49-F238E27FC236}">
-                <a16:creationId xmlns:a16="http://schemas.microsoft.com/office/drawing/2014/main" id="{4E4E627C-8ADB-491E-9E95-91B631918341}"/>
+      <p:pic>
+        <p:nvPicPr>
+          <p:cNvPr id="9" name="Picture 8">
+            <a:extLst>
+              <a:ext uri="{FF2B5EF4-FFF2-40B4-BE49-F238E27FC236}">
+                <a16:creationId xmlns:a16="http://schemas.microsoft.com/office/drawing/2014/main" id="{A94FA39C-6A98-40A8-98C4-8AB49A0B1553}"/>
+              </a:ext>
+            </a:extLst>
+          </p:cNvPr>
+          <p:cNvPicPr>
+            <a:picLocks noChangeAspect="1"/>
+          </p:cNvPicPr>
+          <p:nvPr/>
+        </p:nvPicPr>
+        <p:blipFill>
+          <a:blip r:embed="rId3"/>
+          <a:stretch>
+            <a:fillRect/>
+          </a:stretch>
+        </p:blipFill>
+        <p:spPr>
+          <a:xfrm>
+            <a:off x="8243668" y="1096862"/>
+            <a:ext cx="1922711" cy="3404800"/>
+          </a:xfrm>
+          <a:prstGeom prst="rect">
+            <a:avLst/>
+          </a:prstGeom>
+        </p:spPr>
+      </p:pic>
+      <p:sp>
+        <p:nvSpPr>
+          <p:cNvPr id="6" name="Slide Number Placeholder 5">
+            <a:extLst>
+              <a:ext uri="{FF2B5EF4-FFF2-40B4-BE49-F238E27FC236}">
+                <a16:creationId xmlns:a16="http://schemas.microsoft.com/office/drawing/2014/main" id="{0CF7AB6F-BFA2-4F02-825E-F0E1FA8EB065}"/>
               </a:ext>
             </a:extLst>
           </p:cNvPr>
@@ -7030,7 +6816,7 @@
     </p:spTree>
     <p:extLst>
       <p:ext uri="{BB962C8B-B14F-4D97-AF65-F5344CB8AC3E}">
-        <p14:creationId xmlns:p14="http://schemas.microsoft.com/office/powerpoint/2010/main" val="3659057012"/>
+        <p14:creationId xmlns:p14="http://schemas.microsoft.com/office/powerpoint/2010/main" val="1625049598"/>
       </p:ext>
     </p:extLst>
   </p:cSld>
@@ -7062,7 +6848,7 @@
           <p:cNvPr id="2" name="Title 1">
             <a:extLst>
               <a:ext uri="{FF2B5EF4-FFF2-40B4-BE49-F238E27FC236}">
-                <a16:creationId xmlns:a16="http://schemas.microsoft.com/office/drawing/2014/main" id="{A176E8B9-32B7-46B0-AF71-1CBE7A2FB291}"/>
+                <a16:creationId xmlns:a16="http://schemas.microsoft.com/office/drawing/2014/main" id="{EE413DB9-A7D8-4695-84CE-D8B925D44811}"/>
               </a:ext>
             </a:extLst>
           </p:cNvPr>
@@ -7085,60 +6871,64 @@
                   <a:srgbClr val="FF0000"/>
                 </a:solidFill>
               </a:rPr>
-              <a:t>TABLE CASES</a:t>
-            </a:r>
-            <a:endParaRPr lang="fr-FR" dirty="0">
-              <a:solidFill>
-                <a:srgbClr val="FF0000"/>
-              </a:solidFill>
-            </a:endParaRPr>
-          </a:p>
-        </p:txBody>
-      </p:sp>
-      <p:sp>
-        <p:nvSpPr>
-          <p:cNvPr id="5" name="Content Placeholder 4">
-            <a:extLst>
-              <a:ext uri="{FF2B5EF4-FFF2-40B4-BE49-F238E27FC236}">
-                <a16:creationId xmlns:a16="http://schemas.microsoft.com/office/drawing/2014/main" id="{3D8D1B16-F9D6-4AC7-8562-580BAD1C7405}"/>
-              </a:ext>
-            </a:extLst>
-          </p:cNvPr>
-          <p:cNvSpPr>
-            <a:spLocks noGrp="1"/>
-          </p:cNvSpPr>
-          <p:nvPr>
-            <p:ph sz="half" idx="2"/>
+              <a:t>Interface web </a:t>
+            </a:r>
+            <a:r>
+              <a:rPr lang="fr-FR" dirty="0">
+                <a:solidFill>
+                  <a:srgbClr val="FF0000"/>
+                </a:solidFill>
+              </a:rPr>
+              <a:t>multilingue</a:t>
+            </a:r>
+          </a:p>
+        </p:txBody>
+      </p:sp>
+      <p:sp>
+        <p:nvSpPr>
+          <p:cNvPr id="4" name="Content Placeholder 3">
+            <a:extLst>
+              <a:ext uri="{FF2B5EF4-FFF2-40B4-BE49-F238E27FC236}">
+                <a16:creationId xmlns:a16="http://schemas.microsoft.com/office/drawing/2014/main" id="{30AC323A-D775-4A52-A575-825C637666B5}"/>
+              </a:ext>
+            </a:extLst>
+          </p:cNvPr>
+          <p:cNvSpPr>
+            <a:spLocks noGrp="1"/>
+          </p:cNvSpPr>
+          <p:nvPr>
+            <p:ph idx="1"/>
           </p:nvPr>
         </p:nvSpPr>
         <p:spPr>
           <a:xfrm>
-            <a:off x="914400" y="1471851"/>
-            <a:ext cx="5181600" cy="4351338"/>
+            <a:off x="3462044" y="3679574"/>
+            <a:ext cx="5267178" cy="2688175"/>
           </a:xfrm>
         </p:spPr>
         <p:txBody>
           <a:bodyPr/>
           <a:lstStyle/>
           <a:p>
+            <a:pPr algn="ctr"/>
             <a:r>
               <a:rPr lang="en-US" dirty="0"/>
-              <a:t>Table </a:t>
-            </a:r>
-            <a:r>
-              <a:rPr lang="en-US" dirty="0" err="1"/>
-              <a:t>principale</a:t>
-            </a:r>
-            <a:endParaRPr lang="en-US" dirty="0"/>
-          </a:p>
-          <a:p>
+              <a:t>Possible </a:t>
+            </a:r>
+            <a:r>
+              <a:rPr lang="fr-FR" dirty="0"/>
+              <a:t>amélioration</a:t>
+            </a:r>
             <a:r>
               <a:rPr lang="en-US" dirty="0"/>
-              <a:t>Status: True, False, </a:t>
-            </a:r>
-            <a:r>
-              <a:rPr lang="en-US" dirty="0" err="1"/>
-              <a:t>En</a:t>
+              <a:t>.</a:t>
+            </a:r>
+          </a:p>
+          <a:p>
+            <a:pPr algn="ctr"/>
+            <a:r>
+              <a:rPr lang="fr-FR" dirty="0"/>
+              <a:t>Actualisation</a:t>
             </a:r>
             <a:r>
               <a:rPr lang="en-US" dirty="0"/>
@@ -7146,31 +6936,21 @@
             </a:r>
             <a:r>
               <a:rPr lang="fr-FR" dirty="0"/>
-              <a:t>attente</a:t>
-            </a:r>
-            <a:endParaRPr lang="en-US" dirty="0"/>
-          </a:p>
-          <a:p>
-            <a:r>
-              <a:rPr lang="en-US" dirty="0"/>
-              <a:t> </a:t>
-            </a:r>
-            <a:r>
-              <a:rPr lang="fr-FR" dirty="0"/>
-              <a:t>Français</a:t>
-            </a:r>
-            <a:r>
-              <a:rPr lang="en-US" dirty="0"/>
-              <a:t> et </a:t>
-            </a:r>
-            <a:r>
-              <a:rPr lang="fr-FR" dirty="0"/>
-              <a:t>Anglais</a:t>
+              <a:t>dynamique</a:t>
             </a:r>
             <a:r>
               <a:rPr lang="en-US" dirty="0"/>
               <a:t>.</a:t>
             </a:r>
+          </a:p>
+          <a:p>
+            <a:pPr algn="ctr"/>
+            <a:r>
+              <a:rPr lang="en-US" dirty="0"/>
+              <a:t>PHP, JavaScript, Bootstrap.</a:t>
+            </a:r>
+          </a:p>
+          <a:p>
             <a:endParaRPr lang="fr-FR" dirty="0"/>
           </a:p>
         </p:txBody>
@@ -7180,7 +6960,7 @@
           <p:cNvPr id="3" name="Picture 2">
             <a:extLst>
               <a:ext uri="{FF2B5EF4-FFF2-40B4-BE49-F238E27FC236}">
-                <a16:creationId xmlns:a16="http://schemas.microsoft.com/office/drawing/2014/main" id="{E49E44FC-564F-4128-8437-BB21B750E0E3}"/>
+                <a16:creationId xmlns:a16="http://schemas.microsoft.com/office/drawing/2014/main" id="{7D7A344A-1761-40B0-8B38-3038627AED6C}"/>
               </a:ext>
             </a:extLst>
           </p:cNvPr>
@@ -7197,8 +6977,8 @@
         </p:blipFill>
         <p:spPr>
           <a:xfrm>
-            <a:off x="1922600" y="5109986"/>
-            <a:ext cx="7848600" cy="333375"/>
+            <a:off x="838200" y="1690688"/>
+            <a:ext cx="4634643" cy="1544881"/>
           </a:xfrm>
           <a:prstGeom prst="rect">
             <a:avLst/>
@@ -7207,50 +6987,39 @@
       </p:pic>
       <p:sp>
         <p:nvSpPr>
-          <p:cNvPr id="4" name="TextBox 3">
-            <a:extLst>
-              <a:ext uri="{FF2B5EF4-FFF2-40B4-BE49-F238E27FC236}">
-                <a16:creationId xmlns:a16="http://schemas.microsoft.com/office/drawing/2014/main" id="{CE9051DF-5DE9-4FE2-9B8F-9AE9B8CF0D97}"/>
-              </a:ext>
-            </a:extLst>
-          </p:cNvPr>
-          <p:cNvSpPr txBox="1"/>
-          <p:nvPr/>
-        </p:nvSpPr>
-        <p:spPr>
-          <a:xfrm>
-            <a:off x="731520" y="5074029"/>
-            <a:ext cx="4065563" cy="369332"/>
-          </a:xfrm>
-          <a:prstGeom prst="rect">
-            <a:avLst/>
-          </a:prstGeom>
-          <a:noFill/>
-        </p:spPr>
-        <p:txBody>
-          <a:bodyPr wrap="square" rtlCol="0">
-            <a:spAutoFit/>
-          </a:bodyPr>
-          <a:lstStyle/>
-          <a:p>
-            <a:r>
-              <a:rPr lang="en-US" dirty="0" err="1"/>
-              <a:t>Exemple</a:t>
-            </a:r>
-            <a:r>
-              <a:rPr lang="en-US" dirty="0"/>
-              <a:t>:</a:t>
-            </a:r>
-            <a:endParaRPr lang="fr-FR" dirty="0"/>
+          <p:cNvPr id="5" name="Slide Number Placeholder 4">
+            <a:extLst>
+              <a:ext uri="{FF2B5EF4-FFF2-40B4-BE49-F238E27FC236}">
+                <a16:creationId xmlns:a16="http://schemas.microsoft.com/office/drawing/2014/main" id="{B72D3D2D-BAB4-46D3-A5D6-EFE974CB4A20}"/>
+              </a:ext>
+            </a:extLst>
+          </p:cNvPr>
+          <p:cNvSpPr>
+            <a:spLocks noGrp="1"/>
+          </p:cNvSpPr>
+          <p:nvPr>
+            <p:ph type="sldNum" sz="quarter" idx="12"/>
+          </p:nvPr>
+        </p:nvSpPr>
+        <p:spPr/>
+        <p:txBody>
+          <a:bodyPr/>
+          <a:lstStyle/>
+          <a:p>
+            <a:fld id="{3838EE45-6CEB-4599-9988-AC5948346DCB}" type="slidenum">
+              <a:rPr lang="fr-FR" smtClean="0"/>
+              <a:t>7</a:t>
+            </a:fld>
+            <a:endParaRPr lang="fr-FR"/>
           </a:p>
         </p:txBody>
       </p:sp>
       <p:pic>
         <p:nvPicPr>
-          <p:cNvPr id="9" name="Picture 8">
-            <a:extLst>
-              <a:ext uri="{FF2B5EF4-FFF2-40B4-BE49-F238E27FC236}">
-                <a16:creationId xmlns:a16="http://schemas.microsoft.com/office/drawing/2014/main" id="{A94FA39C-6A98-40A8-98C4-8AB49A0B1553}"/>
+          <p:cNvPr id="6" name="Picture 5">
+            <a:extLst>
+              <a:ext uri="{FF2B5EF4-FFF2-40B4-BE49-F238E27FC236}">
+                <a16:creationId xmlns:a16="http://schemas.microsoft.com/office/drawing/2014/main" id="{135E0B54-9699-4891-A2C9-B40C2123C74F}"/>
               </a:ext>
             </a:extLst>
           </p:cNvPr>
@@ -7267,8 +7036,8 @@
         </p:blipFill>
         <p:spPr>
           <a:xfrm>
-            <a:off x="8579005" y="1690688"/>
-            <a:ext cx="1587374" cy="2810974"/>
+            <a:off x="6493852" y="1690688"/>
+            <a:ext cx="4859948" cy="1541285"/>
           </a:xfrm>
           <a:prstGeom prst="rect">
             <a:avLst/>
@@ -7277,37 +7046,43 @@
       </p:pic>
       <p:sp>
         <p:nvSpPr>
-          <p:cNvPr id="6" name="Slide Number Placeholder 5">
-            <a:extLst>
-              <a:ext uri="{FF2B5EF4-FFF2-40B4-BE49-F238E27FC236}">
-                <a16:creationId xmlns:a16="http://schemas.microsoft.com/office/drawing/2014/main" id="{0CF7AB6F-BFA2-4F02-825E-F0E1FA8EB065}"/>
-              </a:ext>
-            </a:extLst>
-          </p:cNvPr>
-          <p:cNvSpPr>
-            <a:spLocks noGrp="1"/>
-          </p:cNvSpPr>
-          <p:nvPr>
-            <p:ph type="sldNum" sz="quarter" idx="12"/>
-          </p:nvPr>
-        </p:nvSpPr>
-        <p:spPr/>
-        <p:txBody>
-          <a:bodyPr/>
-          <a:lstStyle/>
-          <a:p>
-            <a:fld id="{3838EE45-6CEB-4599-9988-AC5948346DCB}" type="slidenum">
-              <a:rPr lang="fr-FR" smtClean="0"/>
-              <a:t>7</a:t>
-            </a:fld>
-            <a:endParaRPr lang="fr-FR"/>
+          <p:cNvPr id="7" name="TextBox 6">
+            <a:extLst>
+              <a:ext uri="{FF2B5EF4-FFF2-40B4-BE49-F238E27FC236}">
+                <a16:creationId xmlns:a16="http://schemas.microsoft.com/office/drawing/2014/main" id="{B599238A-3810-4C67-A724-EE23D2A8F2E3}"/>
+              </a:ext>
+            </a:extLst>
+          </p:cNvPr>
+          <p:cNvSpPr txBox="1"/>
+          <p:nvPr/>
+        </p:nvSpPr>
+        <p:spPr>
+          <a:xfrm>
+            <a:off x="5697415" y="2138289"/>
+            <a:ext cx="796437" cy="369332"/>
+          </a:xfrm>
+          <a:prstGeom prst="rect">
+            <a:avLst/>
+          </a:prstGeom>
+          <a:noFill/>
+        </p:spPr>
+        <p:txBody>
+          <a:bodyPr wrap="square" rtlCol="0">
+            <a:spAutoFit/>
+          </a:bodyPr>
+          <a:lstStyle/>
+          <a:p>
+            <a:r>
+              <a:rPr lang="fr-FR" dirty="0"/>
+              <a:t>=&gt;</a:t>
+            </a:r>
           </a:p>
         </p:txBody>
       </p:sp>
     </p:spTree>
     <p:extLst>
       <p:ext uri="{BB962C8B-B14F-4D97-AF65-F5344CB8AC3E}">
-        <p14:creationId xmlns:p14="http://schemas.microsoft.com/office/powerpoint/2010/main" val="1625049598"/>
+        <p14:creationId xmlns:p14="http://schemas.microsoft.com/office/powerpoint/2010/main" val="3631094681"/>
       </p:ext>
     </p:extLst>
   </p:cSld>
@@ -7339,7 +7114,7 @@
           <p:cNvPr id="2" name="Title 1">
             <a:extLst>
               <a:ext uri="{FF2B5EF4-FFF2-40B4-BE49-F238E27FC236}">
-                <a16:creationId xmlns:a16="http://schemas.microsoft.com/office/drawing/2014/main" id="{EE413DB9-A7D8-4695-84CE-D8B925D44811}"/>
+                <a16:creationId xmlns:a16="http://schemas.microsoft.com/office/drawing/2014/main" id="{C52469D6-501C-48AC-8F65-DF428263330A}"/>
               </a:ext>
             </a:extLst>
           </p:cNvPr>
@@ -7356,90 +7131,43 @@
           <a:lstStyle/>
           <a:p>
             <a:pPr algn="ctr"/>
-            <a:r>
-              <a:rPr lang="en-US" dirty="0">
-                <a:solidFill>
-                  <a:srgbClr val="FF0000"/>
-                </a:solidFill>
-              </a:rPr>
-              <a:t>Interface web </a:t>
-            </a:r>
             <a:r>
               <a:rPr lang="fr-FR" dirty="0">
                 <a:solidFill>
                   <a:srgbClr val="FF0000"/>
                 </a:solidFill>
               </a:rPr>
-              <a:t>multilingue</a:t>
-            </a:r>
-          </a:p>
-        </p:txBody>
-      </p:sp>
-      <p:sp>
-        <p:nvSpPr>
-          <p:cNvPr id="4" name="Content Placeholder 3">
-            <a:extLst>
-              <a:ext uri="{FF2B5EF4-FFF2-40B4-BE49-F238E27FC236}">
-                <a16:creationId xmlns:a16="http://schemas.microsoft.com/office/drawing/2014/main" id="{30AC323A-D775-4A52-A575-825C637666B5}"/>
-              </a:ext>
-            </a:extLst>
-          </p:cNvPr>
-          <p:cNvSpPr>
-            <a:spLocks noGrp="1"/>
-          </p:cNvSpPr>
-          <p:nvPr>
-            <p:ph idx="1"/>
-          </p:nvPr>
-        </p:nvSpPr>
-        <p:spPr>
-          <a:xfrm>
-            <a:off x="838200" y="3488787"/>
-            <a:ext cx="10515600" cy="2688175"/>
-          </a:xfrm>
-        </p:spPr>
-        <p:txBody>
-          <a:bodyPr/>
-          <a:lstStyle/>
-          <a:p>
-            <a:r>
-              <a:rPr lang="en-US" dirty="0"/>
-              <a:t>Possible </a:t>
-            </a:r>
-            <a:r>
-              <a:rPr lang="fr-FR" dirty="0"/>
-              <a:t>amélioration</a:t>
-            </a:r>
-            <a:r>
-              <a:rPr lang="en-US" dirty="0"/>
-              <a:t>.</a:t>
-            </a:r>
-          </a:p>
-          <a:p>
-            <a:r>
-              <a:rPr lang="fr-FR" dirty="0"/>
-              <a:t>Actualisation</a:t>
-            </a:r>
-            <a:r>
-              <a:rPr lang="en-US" dirty="0"/>
-              <a:t> </a:t>
-            </a:r>
-            <a:r>
-              <a:rPr lang="fr-FR" dirty="0"/>
-              <a:t>dynamique</a:t>
-            </a:r>
-            <a:r>
-              <a:rPr lang="en-US" dirty="0"/>
-              <a:t>.</a:t>
-            </a:r>
-          </a:p>
-          <a:p>
-            <a:r>
-              <a:rPr lang="en-US" dirty="0"/>
-              <a:t>PHP, JavaScript, Bootstrap.</a:t>
-            </a:r>
-          </a:p>
-          <a:p>
-            <a:endParaRPr lang="fr-FR" dirty="0"/>
+              <a:t>Formulaire de vérification</a:t>
+            </a:r>
+          </a:p>
+        </p:txBody>
+      </p:sp>
+      <p:sp>
+        <p:nvSpPr>
+          <p:cNvPr id="8" name="Slide Number Placeholder 7">
+            <a:extLst>
+              <a:ext uri="{FF2B5EF4-FFF2-40B4-BE49-F238E27FC236}">
+                <a16:creationId xmlns:a16="http://schemas.microsoft.com/office/drawing/2014/main" id="{53971D94-E6B0-4A1F-B784-9B0DB3E7C6D1}"/>
+              </a:ext>
+            </a:extLst>
+          </p:cNvPr>
+          <p:cNvSpPr>
+            <a:spLocks noGrp="1"/>
+          </p:cNvSpPr>
+          <p:nvPr>
+            <p:ph type="sldNum" sz="quarter" idx="12"/>
+          </p:nvPr>
+        </p:nvSpPr>
+        <p:spPr/>
+        <p:txBody>
+          <a:bodyPr/>
+          <a:lstStyle/>
+          <a:p>
+            <a:fld id="{3838EE45-6CEB-4599-9988-AC5948346DCB}" type="slidenum">
+              <a:rPr lang="fr-FR" smtClean="0"/>
+              <a:t>8</a:t>
+            </a:fld>
+            <a:endParaRPr lang="fr-FR"/>
           </a:p>
         </p:txBody>
       </p:sp>
@@ -7448,7 +7176,7 @@
           <p:cNvPr id="3" name="Picture 2">
             <a:extLst>
               <a:ext uri="{FF2B5EF4-FFF2-40B4-BE49-F238E27FC236}">
-                <a16:creationId xmlns:a16="http://schemas.microsoft.com/office/drawing/2014/main" id="{7D7A344A-1761-40B0-8B38-3038627AED6C}"/>
+                <a16:creationId xmlns:a16="http://schemas.microsoft.com/office/drawing/2014/main" id="{7DAE218A-3664-41DC-BBEA-7677404F1D80}"/>
               </a:ext>
             </a:extLst>
           </p:cNvPr>
@@ -7465,47 +7193,18 @@
         </p:blipFill>
         <p:spPr>
           <a:xfrm>
-            <a:off x="3782962" y="1690688"/>
-            <a:ext cx="4634643" cy="1544881"/>
+            <a:off x="749874" y="1699821"/>
+            <a:ext cx="10528183" cy="1606087"/>
           </a:xfrm>
           <a:prstGeom prst="rect">
             <a:avLst/>
           </a:prstGeom>
         </p:spPr>
       </p:pic>
-      <p:sp>
-        <p:nvSpPr>
-          <p:cNvPr id="5" name="Slide Number Placeholder 4">
-            <a:extLst>
-              <a:ext uri="{FF2B5EF4-FFF2-40B4-BE49-F238E27FC236}">
-                <a16:creationId xmlns:a16="http://schemas.microsoft.com/office/drawing/2014/main" id="{B72D3D2D-BAB4-46D3-A5D6-EFE974CB4A20}"/>
-              </a:ext>
-            </a:extLst>
-          </p:cNvPr>
-          <p:cNvSpPr>
-            <a:spLocks noGrp="1"/>
-          </p:cNvSpPr>
-          <p:nvPr>
-            <p:ph type="sldNum" sz="quarter" idx="12"/>
-          </p:nvPr>
-        </p:nvSpPr>
-        <p:spPr/>
-        <p:txBody>
-          <a:bodyPr/>
-          <a:lstStyle/>
-          <a:p>
-            <a:fld id="{3838EE45-6CEB-4599-9988-AC5948346DCB}" type="slidenum">
-              <a:rPr lang="fr-FR" smtClean="0"/>
-              <a:t>8</a:t>
-            </a:fld>
-            <a:endParaRPr lang="fr-FR"/>
-          </a:p>
-        </p:txBody>
-      </p:sp>
     </p:spTree>
     <p:extLst>
       <p:ext uri="{BB962C8B-B14F-4D97-AF65-F5344CB8AC3E}">
-        <p14:creationId xmlns:p14="http://schemas.microsoft.com/office/powerpoint/2010/main" val="3631094681"/>
+        <p14:creationId xmlns:p14="http://schemas.microsoft.com/office/powerpoint/2010/main" val="2637920781"/>
       </p:ext>
     </p:extLst>
   </p:cSld>
@@ -7593,7 +7292,7 @@
           <a:p>
             <a:r>
               <a:rPr lang="en-US" dirty="0"/>
-              <a:t>Correct: </a:t>
+              <a:t>Correct : </a:t>
             </a:r>
             <a:r>
               <a:rPr lang="fr-FR" dirty="0"/>
@@ -7615,7 +7314,7 @@
           <a:p>
             <a:r>
               <a:rPr lang="en-US" dirty="0"/>
-              <a:t>Incorrect: </a:t>
+              <a:t>Incorrect : </a:t>
             </a:r>
             <a:r>
               <a:rPr lang="fr-FR" dirty="0"/>
@@ -7639,46 +7338,39 @@
       </p:sp>
       <p:sp>
         <p:nvSpPr>
-          <p:cNvPr id="7" name="TextBox 6">
-            <a:extLst>
-              <a:ext uri="{FF2B5EF4-FFF2-40B4-BE49-F238E27FC236}">
-                <a16:creationId xmlns:a16="http://schemas.microsoft.com/office/drawing/2014/main" id="{946EBF1E-49A4-4994-B5B3-2CD26D9E8D78}"/>
-              </a:ext>
-            </a:extLst>
-          </p:cNvPr>
-          <p:cNvSpPr txBox="1"/>
-          <p:nvPr/>
-        </p:nvSpPr>
-        <p:spPr>
-          <a:xfrm>
-            <a:off x="4711357" y="3288015"/>
-            <a:ext cx="1927274" cy="369332"/>
-          </a:xfrm>
-          <a:prstGeom prst="rect">
-            <a:avLst/>
-          </a:prstGeom>
-          <a:noFill/>
-        </p:spPr>
-        <p:txBody>
-          <a:bodyPr wrap="square" rtlCol="0">
-            <a:spAutoFit/>
-          </a:bodyPr>
-          <a:lstStyle/>
-          <a:p>
-            <a:pPr algn="ctr"/>
-            <a:r>
-              <a:rPr lang="fr-FR" dirty="0"/>
-              <a:t> =&gt;</a:t>
-            </a:r>
+          <p:cNvPr id="8" name="Slide Number Placeholder 7">
+            <a:extLst>
+              <a:ext uri="{FF2B5EF4-FFF2-40B4-BE49-F238E27FC236}">
+                <a16:creationId xmlns:a16="http://schemas.microsoft.com/office/drawing/2014/main" id="{53971D94-E6B0-4A1F-B784-9B0DB3E7C6D1}"/>
+              </a:ext>
+            </a:extLst>
+          </p:cNvPr>
+          <p:cNvSpPr>
+            <a:spLocks noGrp="1"/>
+          </p:cNvSpPr>
+          <p:nvPr>
+            <p:ph type="sldNum" sz="quarter" idx="12"/>
+          </p:nvPr>
+        </p:nvSpPr>
+        <p:spPr/>
+        <p:txBody>
+          <a:bodyPr/>
+          <a:lstStyle/>
+          <a:p>
+            <a:fld id="{3838EE45-6CEB-4599-9988-AC5948346DCB}" type="slidenum">
+              <a:rPr lang="fr-FR" smtClean="0"/>
+              <a:t>9</a:t>
+            </a:fld>
+            <a:endParaRPr lang="fr-FR"/>
           </a:p>
         </p:txBody>
       </p:sp>
       <p:pic>
         <p:nvPicPr>
-          <p:cNvPr id="14" name="Picture 13">
-            <a:extLst>
-              <a:ext uri="{FF2B5EF4-FFF2-40B4-BE49-F238E27FC236}">
-                <a16:creationId xmlns:a16="http://schemas.microsoft.com/office/drawing/2014/main" id="{B6A49B13-A5C9-4DD3-9672-9A0588458A38}"/>
+          <p:cNvPr id="4" name="Picture 3">
+            <a:extLst>
+              <a:ext uri="{FF2B5EF4-FFF2-40B4-BE49-F238E27FC236}">
+                <a16:creationId xmlns:a16="http://schemas.microsoft.com/office/drawing/2014/main" id="{C32CA229-BC32-4ECD-9D1D-AD98A2B3565E}"/>
               </a:ext>
             </a:extLst>
           </p:cNvPr>
@@ -7695,107 +7387,18 @@
         </p:blipFill>
         <p:spPr>
           <a:xfrm>
-            <a:off x="7636485" y="3288015"/>
-            <a:ext cx="2124075" cy="476250"/>
+            <a:off x="749874" y="1690688"/>
+            <a:ext cx="10877550" cy="1517281"/>
           </a:xfrm>
           <a:prstGeom prst="rect">
             <a:avLst/>
           </a:prstGeom>
         </p:spPr>
       </p:pic>
-      <p:pic>
-        <p:nvPicPr>
-          <p:cNvPr id="3" name="Picture 2">
-            <a:extLst>
-              <a:ext uri="{FF2B5EF4-FFF2-40B4-BE49-F238E27FC236}">
-                <a16:creationId xmlns:a16="http://schemas.microsoft.com/office/drawing/2014/main" id="{9874811E-EFA5-4229-A861-C0DD3B552A04}"/>
-              </a:ext>
-            </a:extLst>
-          </p:cNvPr>
-          <p:cNvPicPr>
-            <a:picLocks noChangeAspect="1"/>
-          </p:cNvPicPr>
-          <p:nvPr/>
-        </p:nvPicPr>
-        <p:blipFill>
-          <a:blip r:embed="rId3"/>
-          <a:stretch>
-            <a:fillRect/>
-          </a:stretch>
-        </p:blipFill>
-        <p:spPr>
-          <a:xfrm>
-            <a:off x="3063752" y="3288015"/>
-            <a:ext cx="1000125" cy="381000"/>
-          </a:xfrm>
-          <a:prstGeom prst="rect">
-            <a:avLst/>
-          </a:prstGeom>
-        </p:spPr>
-      </p:pic>
-      <p:pic>
-        <p:nvPicPr>
-          <p:cNvPr id="6" name="Picture 5">
-            <a:extLst>
-              <a:ext uri="{FF2B5EF4-FFF2-40B4-BE49-F238E27FC236}">
-                <a16:creationId xmlns:a16="http://schemas.microsoft.com/office/drawing/2014/main" id="{891AB72F-86B3-41A9-A600-FF8556EF8D4D}"/>
-              </a:ext>
-            </a:extLst>
-          </p:cNvPr>
-          <p:cNvPicPr>
-            <a:picLocks noChangeAspect="1"/>
-          </p:cNvPicPr>
-          <p:nvPr/>
-        </p:nvPicPr>
-        <p:blipFill>
-          <a:blip r:embed="rId4"/>
-          <a:stretch>
-            <a:fillRect/>
-          </a:stretch>
-        </p:blipFill>
-        <p:spPr>
-          <a:xfrm>
-            <a:off x="982155" y="1763380"/>
-            <a:ext cx="9858375" cy="923925"/>
-          </a:xfrm>
-          <a:prstGeom prst="rect">
-            <a:avLst/>
-          </a:prstGeom>
-        </p:spPr>
-      </p:pic>
-      <p:sp>
-        <p:nvSpPr>
-          <p:cNvPr id="8" name="Slide Number Placeholder 7">
-            <a:extLst>
-              <a:ext uri="{FF2B5EF4-FFF2-40B4-BE49-F238E27FC236}">
-                <a16:creationId xmlns:a16="http://schemas.microsoft.com/office/drawing/2014/main" id="{53971D94-E6B0-4A1F-B784-9B0DB3E7C6D1}"/>
-              </a:ext>
-            </a:extLst>
-          </p:cNvPr>
-          <p:cNvSpPr>
-            <a:spLocks noGrp="1"/>
-          </p:cNvSpPr>
-          <p:nvPr>
-            <p:ph type="sldNum" sz="quarter" idx="12"/>
-          </p:nvPr>
-        </p:nvSpPr>
-        <p:spPr/>
-        <p:txBody>
-          <a:bodyPr/>
-          <a:lstStyle/>
-          <a:p>
-            <a:fld id="{3838EE45-6CEB-4599-9988-AC5948346DCB}" type="slidenum">
-              <a:rPr lang="fr-FR" smtClean="0"/>
-              <a:t>9</a:t>
-            </a:fld>
-            <a:endParaRPr lang="fr-FR"/>
-          </a:p>
-        </p:txBody>
-      </p:sp>
     </p:spTree>
     <p:extLst>
       <p:ext uri="{BB962C8B-B14F-4D97-AF65-F5344CB8AC3E}">
-        <p14:creationId xmlns:p14="http://schemas.microsoft.com/office/powerpoint/2010/main" val="665270288"/>
+        <p14:creationId xmlns:p14="http://schemas.microsoft.com/office/powerpoint/2010/main" val="1210439614"/>
       </p:ext>
     </p:extLst>
   </p:cSld>
